--- a/papers/ahm10/talk/saga-ssi-ahm10.pptx
+++ b/papers/ahm10/talk/saga-ssi-ahm10.pptx
@@ -7,7 +7,7 @@
     <p:sldMasterId id="2147483663" r:id="rId3"/>
   </p:sldMasterIdLst>
   <p:notesMasterIdLst>
-    <p:notesMasterId r:id="rId34"/>
+    <p:notesMasterId r:id="rId35"/>
   </p:notesMasterIdLst>
   <p:sldIdLst>
     <p:sldId id="264" r:id="rId4"/>
@@ -24,22 +24,23 @@
     <p:sldId id="367" r:id="rId15"/>
     <p:sldId id="372" r:id="rId16"/>
     <p:sldId id="351" r:id="rId17"/>
-    <p:sldId id="352" r:id="rId18"/>
-    <p:sldId id="358" r:id="rId19"/>
-    <p:sldId id="353" r:id="rId20"/>
-    <p:sldId id="270" r:id="rId21"/>
-    <p:sldId id="269" r:id="rId22"/>
-    <p:sldId id="312" r:id="rId23"/>
-    <p:sldId id="313" r:id="rId24"/>
-    <p:sldId id="303" r:id="rId25"/>
-    <p:sldId id="271" r:id="rId26"/>
-    <p:sldId id="330" r:id="rId27"/>
-    <p:sldId id="336" r:id="rId28"/>
-    <p:sldId id="345" r:id="rId29"/>
-    <p:sldId id="346" r:id="rId30"/>
-    <p:sldId id="347" r:id="rId31"/>
-    <p:sldId id="348" r:id="rId32"/>
-    <p:sldId id="349" r:id="rId33"/>
+    <p:sldId id="373" r:id="rId18"/>
+    <p:sldId id="352" r:id="rId19"/>
+    <p:sldId id="358" r:id="rId20"/>
+    <p:sldId id="353" r:id="rId21"/>
+    <p:sldId id="270" r:id="rId22"/>
+    <p:sldId id="269" r:id="rId23"/>
+    <p:sldId id="312" r:id="rId24"/>
+    <p:sldId id="313" r:id="rId25"/>
+    <p:sldId id="303" r:id="rId26"/>
+    <p:sldId id="271" r:id="rId27"/>
+    <p:sldId id="330" r:id="rId28"/>
+    <p:sldId id="336" r:id="rId29"/>
+    <p:sldId id="345" r:id="rId30"/>
+    <p:sldId id="346" r:id="rId31"/>
+    <p:sldId id="347" r:id="rId32"/>
+    <p:sldId id="348" r:id="rId33"/>
+    <p:sldId id="349" r:id="rId34"/>
   </p:sldIdLst>
   <p:sldSz cx="9144000" cy="6858000" type="screen4x3"/>
   <p:notesSz cx="6858000" cy="9144000"/>
@@ -577,7 +578,7 @@
             <a:fld id="{ADBC0EE1-ED9C-0645-9F30-657E46D56854}" type="slidenum">
               <a:rPr lang="en-US"/>
               <a:pPr/>
-              <a:t>18</a:t>
+              <a:t>19</a:t>
             </a:fld>
             <a:endParaRPr lang="en-US"/>
           </a:p>
@@ -811,7 +812,7 @@
             <a:fld id="{8BAF3D7D-07D8-431B-B3B7-CD236BAA3D9F}" type="slidenum">
               <a:rPr kumimoji="1" lang="ja-JP" altLang="en-US" smtClean="0"/>
               <a:pPr/>
-              <a:t>23</a:t>
+              <a:t>24</a:t>
             </a:fld>
             <a:endParaRPr kumimoji="1" lang="ja-JP" altLang="en-US"/>
           </a:p>
@@ -968,7 +969,7 @@
                 </a:spcAft>
                 <a:defRPr/>
               </a:pPr>
-              <a:t>24</a:t>
+              <a:t>25</a:t>
             </a:fld>
             <a:endParaRPr lang="ja-JP" altLang="en-US" smtClean="0">
               <a:cs typeface="ＭＳ Ｐゴシック" charset="-128"/>
@@ -1100,7 +1101,7 @@
                   <a:spcPct val="0"/>
                 </a:spcAft>
               </a:pPr>
-              <a:t>27</a:t>
+              <a:t>28</a:t>
             </a:fld>
             <a:endParaRPr lang="en-US">
               <a:ea typeface="ＭＳ Ｐゴシック" charset="-128"/>
@@ -7557,47 +7558,93 @@
           <a:lstStyle/>
           <a:p>
             <a:r>
-              <a:rPr lang="en-US" smtClean="0"/>
+              <a:rPr lang="en-US" dirty="0" smtClean="0"/>
               <a:t>T-I: SAGA as a standard to make DCI sustainable</a:t>
             </a:r>
+            <a:endParaRPr lang="en-US" dirty="0" smtClean="0"/>
           </a:p>
           <a:p>
             <a:pPr lvl="1"/>
             <a:r>
-              <a:rPr lang="en-US" smtClean="0"/>
-              <a:t>T-1 A: Adaptor Based Development</a:t>
+              <a:rPr lang="en-US" dirty="0" smtClean="0"/>
+              <a:t>T</a:t>
+            </a:r>
+            <a:r>
+              <a:rPr lang="en-US" dirty="0" smtClean="0"/>
+              <a:t>-I</a:t>
+            </a:r>
+            <a:r>
+              <a:rPr lang="en-US" dirty="0" smtClean="0"/>
+              <a:t> A </a:t>
+            </a:r>
+            <a:r>
+              <a:rPr lang="en-US" dirty="0" smtClean="0"/>
+              <a:t>:  Well defined</a:t>
+            </a:r>
+            <a:r>
+              <a:rPr lang="en-US" dirty="0" smtClean="0"/>
+              <a:t> access-layer interface </a:t>
+            </a:r>
+            <a:r>
+              <a:rPr lang="en-US" dirty="0" smtClean="0"/>
+              <a:t>(For </a:t>
+            </a:r>
+            <a:r>
+              <a:rPr lang="en-US" dirty="0" smtClean="0"/>
+              <a:t>applications, tools </a:t>
+            </a:r>
+            <a:r>
+              <a:rPr lang="en-US" dirty="0" smtClean="0"/>
+              <a:t>and infrastructure) </a:t>
             </a:r>
           </a:p>
           <a:p>
             <a:pPr lvl="2"/>
             <a:r>
-              <a:rPr lang="en-US" smtClean="0"/>
-              <a:t>Adaptor concept allows the adaptation to  future Grid/Cloud  middlewares without the need to change the application code.  This can help an application to survive more than one generation of distributed/CI systems </a:t>
+              <a:rPr lang="en-US" dirty="0" smtClean="0"/>
+              <a:t>Promotes Interoperability, Extensibility &amp; Simplicity (of applications, tools, &amp; infrastructure)</a:t>
+            </a:r>
+          </a:p>
+          <a:p>
+            <a:pPr lvl="2"/>
+            <a:r>
+              <a:rPr lang="en-US" dirty="0" smtClean="0"/>
+              <a:t>All three ensure sustainability</a:t>
+            </a:r>
+            <a:r>
+              <a:rPr lang="en-US" dirty="0" smtClean="0"/>
+              <a:t>.</a:t>
             </a:r>
           </a:p>
           <a:p>
             <a:pPr lvl="1"/>
             <a:r>
-              <a:rPr lang="en-US" smtClean="0"/>
-              <a:t>T-I B :  Well defined interface (For applications and infrastructure) </a:t>
+              <a:rPr lang="en-US" dirty="0" smtClean="0"/>
+              <a:t>T-1 B: Adaptor Based Development</a:t>
             </a:r>
           </a:p>
           <a:p>
             <a:pPr lvl="2"/>
             <a:r>
-              <a:rPr lang="en-US" smtClean="0"/>
-              <a:t>Promotes Interoperability, Extensibility &amp; Simplicity (of applications, tools, &amp; infrastructure)</a:t>
-            </a:r>
-          </a:p>
-          <a:p>
-            <a:pPr lvl="2"/>
-            <a:r>
-              <a:rPr lang="en-US" smtClean="0"/>
-              <a:t>All three ensure sustainability.</a:t>
-            </a:r>
-          </a:p>
-          <a:p>
-            <a:endParaRPr lang="en-US" smtClean="0"/>
+              <a:rPr lang="en-US" dirty="0" smtClean="0"/>
+              <a:t>Adaptor concept allows the adaptation to  future Grid/Cloud  </a:t>
+            </a:r>
+            <a:r>
+              <a:rPr lang="en-US" dirty="0" err="1" smtClean="0"/>
+              <a:t>middlewares</a:t>
+            </a:r>
+            <a:r>
+              <a:rPr lang="en-US" dirty="0" smtClean="0"/>
+              <a:t> without the need to change the application code.  This can help an application to survive more than one generation of distributed/CI systems</a:t>
+            </a:r>
+            <a:r>
+              <a:rPr lang="en-US" dirty="0" smtClean="0"/>
+              <a:t> </a:t>
+            </a:r>
+            <a:endParaRPr lang="en-US" dirty="0" smtClean="0"/>
+          </a:p>
+          <a:p>
+            <a:endParaRPr lang="en-US" dirty="0" smtClean="0"/>
           </a:p>
           <a:p>
             <a:endParaRPr lang="en-US" dirty="0"/>
@@ -7631,9 +7678,9 @@
       </p:grpSpPr>
       <p:sp>
         <p:nvSpPr>
-          <p:cNvPr id="2" name="Title 1"/>
+          <p:cNvPr id="48130" name="Rectangle 1"/>
           <p:cNvSpPr>
-            <a:spLocks noGrp="1"/>
+            <a:spLocks noGrp="1" noChangeArrowheads="1"/>
           </p:cNvSpPr>
           <p:nvPr>
             <p:ph type="title"/>
@@ -7641,96 +7688,208 @@
         </p:nvSpPr>
         <p:spPr/>
         <p:txBody>
-          <a:bodyPr/>
-          <a:lstStyle/>
-          <a:p>
-            <a:r>
-              <a:rPr lang="en-US" dirty="0" smtClean="0"/>
-              <a:t>T-II: SAGA Sustainability Issues</a:t>
-            </a:r>
-            <a:endParaRPr lang="en-US" dirty="0"/>
-          </a:p>
-        </p:txBody>
-      </p:sp>
-      <p:sp>
-        <p:nvSpPr>
-          <p:cNvPr id="3" name="Content Placeholder 2"/>
+          <a:bodyPr>
+            <a:normAutofit fontScale="90000"/>
+          </a:bodyPr>
+          <a:lstStyle/>
+          <a:p>
+            <a:r>
+              <a:rPr lang="en-US" dirty="0" smtClean="0"/>
+              <a:t>SAGA: Access Layers</a:t>
+            </a:r>
+            <a:r>
+              <a:rPr lang="en-US" dirty="0" smtClean="0"/>
+              <a:t/>
+            </a:r>
+            <a:br>
+              <a:rPr lang="en-US" dirty="0" smtClean="0"/>
+            </a:br>
+            <a:r>
+              <a:rPr lang="en-US" dirty="0" smtClean="0"/>
+              <a:t>Challenge of many </a:t>
+            </a:r>
+            <a:r>
+              <a:rPr lang="en-US" dirty="0" smtClean="0"/>
+              <a:t>Adaptors</a:t>
+            </a:r>
+            <a:endParaRPr lang="en-US" dirty="0" smtClean="0"/>
+          </a:p>
+        </p:txBody>
+      </p:sp>
+      <p:sp>
+        <p:nvSpPr>
+          <p:cNvPr id="274435" name="Rectangle 2"/>
           <p:cNvSpPr>
-            <a:spLocks noGrp="1"/>
+            <a:spLocks noGrp="1" noChangeArrowheads="1"/>
           </p:cNvSpPr>
           <p:nvPr>
-            <p:ph idx="1"/>
+            <p:ph type="body" idx="1"/>
           </p:nvPr>
         </p:nvSpPr>
-        <p:spPr/>
-        <p:txBody>
-          <a:bodyPr/>
-          <a:lstStyle/>
-          <a:p>
-            <a:r>
-              <a:rPr lang="en-US" dirty="0" smtClean="0"/>
-              <a:t>T-II: Making SAGA sustainable. </a:t>
-            </a:r>
-          </a:p>
-          <a:p>
-            <a:pPr lvl="1"/>
-            <a:r>
-              <a:rPr lang="en-US" dirty="0" smtClean="0"/>
-              <a:t> For T-I, need T-II </a:t>
-            </a:r>
-          </a:p>
-          <a:p>
-            <a:pPr lvl="1"/>
-            <a:r>
-              <a:rPr lang="en-US" dirty="0" smtClean="0"/>
-              <a:t>Strong community-driven standard</a:t>
-            </a:r>
-          </a:p>
-          <a:p>
-            <a:pPr lvl="1"/>
-            <a:r>
-              <a:rPr lang="en-US" dirty="0" smtClean="0"/>
-              <a:t>Strategic deployment-agreements with big infrastructure providers</a:t>
-            </a:r>
-          </a:p>
-          <a:p>
-            <a:pPr lvl="1"/>
-            <a:r>
-              <a:rPr lang="en-US" dirty="0" smtClean="0"/>
-              <a:t>Support for SAGA within community tools</a:t>
-            </a:r>
-          </a:p>
-          <a:p>
-            <a:pPr lvl="2"/>
-            <a:r>
-              <a:rPr lang="en-US" dirty="0" smtClean="0"/>
-              <a:t>"Impedance matching between tools and infrastructure”</a:t>
-            </a:r>
-          </a:p>
-          <a:p>
-            <a:pPr lvl="1"/>
-            <a:r>
-              <a:rPr lang="en-US" dirty="0" smtClean="0"/>
-              <a:t>Standard + Implementation allow functional extensions (e.g. Advert, Messaging, etc.) </a:t>
-            </a:r>
-          </a:p>
-          <a:p>
-            <a:pPr lvl="2"/>
-            <a:r>
-              <a:rPr lang="en-US" dirty="0" smtClean="0"/>
-              <a:t>This allows SAGA to grow with technology and potentially prevents it from becoming 'obsolete’. (This is </a:t>
-            </a:r>
-            <a:r>
-              <a:rPr lang="en-US" dirty="0" err="1" smtClean="0"/>
-              <a:t>SAGA's</a:t>
-            </a:r>
-            <a:r>
-              <a:rPr lang="en-US" dirty="0" smtClean="0"/>
-              <a:t> horizontal extensibility). </a:t>
-            </a:r>
-          </a:p>
-          <a:p>
-            <a:endParaRPr lang="en-US" dirty="0"/>
+        <p:spPr>
+          <a:xfrm>
+            <a:off x="330200" y="1482725"/>
+            <a:ext cx="8501063" cy="4830763"/>
+          </a:xfrm>
+        </p:spPr>
+        <p:txBody>
+          <a:bodyPr>
+            <a:normAutofit/>
+          </a:bodyPr>
+          <a:lstStyle/>
+          <a:p>
+            <a:pPr>
+              <a:lnSpc>
+                <a:spcPct val="90000"/>
+              </a:lnSpc>
+              <a:buClr>
+                <a:srgbClr val="404040"/>
+              </a:buClr>
+            </a:pPr>
+            <a:r>
+              <a:rPr lang="en-US"/>
+              <a:t>Job Adaptors</a:t>
+            </a:r>
+          </a:p>
+          <a:p>
+            <a:pPr marL="481013" lvl="1">
+              <a:lnSpc>
+                <a:spcPct val="90000"/>
+              </a:lnSpc>
+              <a:buClr>
+                <a:srgbClr val="0D0D0D"/>
+              </a:buClr>
+            </a:pPr>
+            <a:r>
+              <a:rPr lang="en-US"/>
+              <a:t>Fork (localhost), SSH, Condor, Globus GRAM2, OMII GridSAM, </a:t>
+            </a:r>
+            <a:br>
+              <a:rPr lang="en-US"/>
+            </a:br>
+            <a:r>
+              <a:rPr lang="en-US"/>
+              <a:t>Amazon EC2, Platform LSF</a:t>
+            </a:r>
+          </a:p>
+          <a:p>
+            <a:pPr>
+              <a:lnSpc>
+                <a:spcPct val="90000"/>
+              </a:lnSpc>
+              <a:buClr>
+                <a:srgbClr val="404040"/>
+              </a:buClr>
+            </a:pPr>
+            <a:r>
+              <a:rPr lang="en-US"/>
+              <a:t>File Adaptors</a:t>
+            </a:r>
+          </a:p>
+          <a:p>
+            <a:pPr marL="481013" lvl="1">
+              <a:lnSpc>
+                <a:spcPct val="90000"/>
+              </a:lnSpc>
+              <a:buClr>
+                <a:srgbClr val="0D0D0D"/>
+              </a:buClr>
+            </a:pPr>
+            <a:r>
+              <a:rPr lang="en-US"/>
+              <a:t>Local FS, Globus GridFTP, Hadoop Distributed Filesystem (HDFS),</a:t>
+            </a:r>
+            <a:br>
+              <a:rPr lang="en-US"/>
+            </a:br>
+            <a:r>
+              <a:rPr lang="en-US"/>
+              <a:t>CloudStore KFS, OpenCloud Sector-Sphere</a:t>
+            </a:r>
+          </a:p>
+          <a:p>
+            <a:pPr>
+              <a:lnSpc>
+                <a:spcPct val="90000"/>
+              </a:lnSpc>
+              <a:buClr>
+                <a:srgbClr val="404040"/>
+              </a:buClr>
+            </a:pPr>
+            <a:r>
+              <a:rPr lang="en-US"/>
+              <a:t>Replica Adaptors</a:t>
+            </a:r>
+          </a:p>
+          <a:p>
+            <a:pPr marL="481013" lvl="1">
+              <a:lnSpc>
+                <a:spcPct val="90000"/>
+              </a:lnSpc>
+              <a:buClr>
+                <a:srgbClr val="0D0D0D"/>
+              </a:buClr>
+            </a:pPr>
+            <a:r>
+              <a:rPr lang="en-US"/>
+              <a:t>PostgreSQL/SQLite3, Globus RLS</a:t>
+            </a:r>
+          </a:p>
+          <a:p>
+            <a:pPr>
+              <a:lnSpc>
+                <a:spcPct val="90000"/>
+              </a:lnSpc>
+              <a:buClr>
+                <a:srgbClr val="404040"/>
+              </a:buClr>
+            </a:pPr>
+            <a:r>
+              <a:rPr lang="en-US"/>
+              <a:t>Advert Adaptors</a:t>
+            </a:r>
+          </a:p>
+          <a:p>
+            <a:pPr marL="481013" lvl="1">
+              <a:lnSpc>
+                <a:spcPct val="90000"/>
+              </a:lnSpc>
+              <a:buClr>
+                <a:srgbClr val="0D0D0D"/>
+              </a:buClr>
+            </a:pPr>
+            <a:r>
+              <a:rPr lang="en-US"/>
+              <a:t>PostgreSQL/SQLite3, Hadoop H-Base, Hypertable</a:t>
+            </a:r>
+          </a:p>
+          <a:p>
+            <a:pPr>
+              <a:lnSpc>
+                <a:spcPct val="90000"/>
+              </a:lnSpc>
+              <a:buClr>
+                <a:srgbClr val="404040"/>
+              </a:buClr>
+            </a:pPr>
+            <a:r>
+              <a:rPr lang="en-US"/>
+              <a:t>Other Adaptors</a:t>
+            </a:r>
+          </a:p>
+          <a:p>
+            <a:pPr marL="481013" lvl="1">
+              <a:lnSpc>
+                <a:spcPct val="90000"/>
+              </a:lnSpc>
+              <a:buClr>
+                <a:srgbClr val="0D0D0D"/>
+              </a:buClr>
+            </a:pPr>
+            <a:r>
+              <a:rPr lang="en-US"/>
+              <a:t>Default RPC / Stream / SD</a:t>
+            </a:r>
           </a:p>
         </p:txBody>
       </p:sp>
@@ -7739,6 +7898,14 @@
   <p:clrMapOvr>
     <a:masterClrMapping/>
   </p:clrMapOvr>
+  <p:transition spd="med"/>
+  <p:timing>
+    <p:tnLst>
+      <p:par>
+        <p:cTn id="1" dur="indefinite" restart="never" nodeType="tmRoot"/>
+      </p:par>
+    </p:tnLst>
+  </p:timing>
 </p:sld>
 </file>
 
@@ -7771,14 +7938,12 @@
         </p:nvSpPr>
         <p:spPr/>
         <p:txBody>
-          <a:bodyPr>
-            <a:normAutofit fontScale="90000"/>
-          </a:bodyPr>
-          <a:lstStyle/>
-          <a:p>
-            <a:r>
-              <a:rPr lang="en-US" smtClean="0"/>
-              <a:t>T-III: Sustaining the SAGA Standaard</a:t>
+          <a:bodyPr/>
+          <a:lstStyle/>
+          <a:p>
+            <a:r>
+              <a:rPr lang="en-US" dirty="0" smtClean="0"/>
+              <a:t>T-II: SAGA Sustainability Issues</a:t>
             </a:r>
             <a:endParaRPr lang="en-US" dirty="0"/>
           </a:p>
@@ -7801,65 +7966,84 @@
           <a:p>
             <a:r>
               <a:rPr lang="en-US" dirty="0" smtClean="0"/>
-              <a:t>T-III: Keeping a standard a standard!</a:t>
+              <a:t>T-II: Making SAGA sustainable!</a:t>
             </a:r>
           </a:p>
           <a:p>
             <a:pPr lvl="1"/>
             <a:r>
               <a:rPr lang="en-US" dirty="0" smtClean="0"/>
-              <a:t>For T-I and T-II  need T-III</a:t>
+              <a:t>For T-I, need T-II</a:t>
+            </a:r>
+            <a:r>
+              <a:rPr lang="en-US" dirty="0" smtClean="0"/>
+              <a:t> </a:t>
             </a:r>
           </a:p>
           <a:p>
             <a:pPr lvl="1"/>
             <a:r>
               <a:rPr lang="en-US" dirty="0" smtClean="0"/>
-              <a:t>General issues of the sustainability of standards apply</a:t>
+              <a:t>Outsource Development + Deployment + Maintenance</a:t>
+            </a:r>
+            <a:endParaRPr lang="en-US" dirty="0" smtClean="0"/>
+          </a:p>
+          <a:p>
+            <a:pPr lvl="1"/>
+            <a:r>
+              <a:rPr lang="en-US" dirty="0" smtClean="0"/>
+              <a:t>Strong community-driven standard implementation</a:t>
             </a:r>
           </a:p>
           <a:p>
             <a:pPr lvl="2"/>
             <a:r>
               <a:rPr lang="en-US" dirty="0" smtClean="0"/>
-              <a:t>Should standards evolve?</a:t>
+              <a:t>Strategic </a:t>
+            </a:r>
+            <a:r>
+              <a:rPr lang="en-US" dirty="0" smtClean="0"/>
+              <a:t>deployment-agreements with big infrastructure providers</a:t>
+            </a:r>
+          </a:p>
+          <a:p>
+            <a:pPr lvl="1"/>
+            <a:r>
+              <a:rPr lang="en-US" dirty="0" smtClean="0"/>
+              <a:t>Support for SAGA within community tools</a:t>
             </a:r>
           </a:p>
           <a:p>
             <a:pPr lvl="2"/>
             <a:r>
               <a:rPr lang="en-US" dirty="0" smtClean="0"/>
-              <a:t>“For whom the SDO toll”?</a:t>
-            </a:r>
-          </a:p>
-          <a:p>
-            <a:pPr lvl="3"/>
-            <a:r>
-              <a:rPr lang="en-US" dirty="0" smtClean="0"/>
-              <a:t>Loss of critical mass?</a:t>
+              <a:t>"Impedance matching between tools and infrastructure”</a:t>
             </a:r>
           </a:p>
           <a:p>
             <a:pPr lvl="1"/>
             <a:r>
               <a:rPr lang="en-US" dirty="0" smtClean="0"/>
-              <a:t>And then some issues about DC standards</a:t>
+              <a:t>Standard + Implementation allow functional extensions (e.g. Advert, Messaging, etc.) </a:t>
             </a:r>
           </a:p>
           <a:p>
             <a:pPr lvl="2"/>
             <a:r>
               <a:rPr lang="en-US" dirty="0" smtClean="0"/>
-              <a:t>Policy: Moral Imperative to use standards?</a:t>
-            </a:r>
-          </a:p>
-          <a:p>
-            <a:pPr lvl="1"/>
-            <a:endParaRPr lang="en-US" dirty="0" smtClean="0"/>
-          </a:p>
-          <a:p>
-            <a:pPr lvl="1"/>
-            <a:endParaRPr lang="en-US" dirty="0" smtClean="0"/>
+              <a:t>This allows SAGA to grow with technology and potentially prevents it from becoming 'obsolete’. (This is </a:t>
+            </a:r>
+            <a:r>
+              <a:rPr lang="en-US" dirty="0" err="1" smtClean="0"/>
+              <a:t>SAGA's</a:t>
+            </a:r>
+            <a:r>
+              <a:rPr lang="en-US" dirty="0" smtClean="0"/>
+              <a:t> horizontal extensibility). </a:t>
+            </a:r>
+          </a:p>
+          <a:p>
+            <a:endParaRPr lang="en-US" dirty="0"/>
           </a:p>
         </p:txBody>
       </p:sp>
@@ -7900,16 +8084,14 @@
         </p:nvSpPr>
         <p:spPr/>
         <p:txBody>
-          <a:bodyPr/>
-          <a:lstStyle/>
-          <a:p>
-            <a:r>
-              <a:rPr lang="en-US" dirty="0" smtClean="0"/>
-              <a:t>T-II Challenges</a:t>
-            </a:r>
-            <a:r>
-              <a:rPr lang="en-US" dirty="0" smtClean="0"/>
-              <a:t>	</a:t>
+          <a:bodyPr>
+            <a:normAutofit fontScale="90000"/>
+          </a:bodyPr>
+          <a:lstStyle/>
+          <a:p>
+            <a:r>
+              <a:rPr lang="en-US" smtClean="0"/>
+              <a:t>T-III: Sustaining the SAGA Standaard</a:t>
             </a:r>
             <a:endParaRPr lang="en-US" dirty="0"/>
           </a:p>
@@ -7925,115 +8107,71 @@
             <p:ph idx="1"/>
           </p:nvPr>
         </p:nvSpPr>
-        <p:spPr>
-          <a:xfrm>
-            <a:off x="757947" y="1529880"/>
-            <a:ext cx="7966954" cy="5007278"/>
-          </a:xfrm>
-        </p:spPr>
-        <p:txBody>
-          <a:bodyPr>
-            <a:normAutofit fontScale="92500" lnSpcReduction="20000"/>
-          </a:bodyPr>
-          <a:lstStyle/>
-          <a:p>
-            <a:pPr lvl="2">
-              <a:buNone/>
-            </a:pPr>
+        <p:spPr/>
+        <p:txBody>
+          <a:bodyPr/>
+          <a:lstStyle/>
+          <a:p>
+            <a:r>
+              <a:rPr lang="en-US" dirty="0" smtClean="0"/>
+              <a:t>T-III: Keeping a standard a standard!</a:t>
+            </a:r>
+          </a:p>
+          <a:p>
+            <a:pPr lvl="1"/>
+            <a:r>
+              <a:rPr lang="en-US" dirty="0" smtClean="0"/>
+              <a:t>For T-I and T-II  need T-III</a:t>
+            </a:r>
+          </a:p>
+          <a:p>
+            <a:pPr lvl="1"/>
+            <a:r>
+              <a:rPr lang="en-US" dirty="0" smtClean="0"/>
+              <a:t>General issues of the sustainability of standards apply</a:t>
+            </a:r>
+          </a:p>
+          <a:p>
+            <a:pPr lvl="2"/>
+            <a:r>
+              <a:rPr lang="en-US" dirty="0" smtClean="0"/>
+              <a:t>Should standards evolve?</a:t>
+            </a:r>
+          </a:p>
+          <a:p>
+            <a:pPr lvl="2"/>
+            <a:r>
+              <a:rPr lang="en-US" dirty="0" smtClean="0"/>
+              <a:t>“For whom the SDO toll”?</a:t>
+            </a:r>
+          </a:p>
+          <a:p>
+            <a:pPr lvl="3"/>
+            <a:r>
+              <a:rPr lang="en-US" dirty="0" smtClean="0"/>
+              <a:t>Loss of critical mass?</a:t>
+            </a:r>
+          </a:p>
+          <a:p>
+            <a:pPr lvl="1"/>
+            <a:r>
+              <a:rPr lang="en-US" dirty="0" smtClean="0"/>
+              <a:t>And then some issues about DC standards</a:t>
+            </a:r>
+          </a:p>
+          <a:p>
+            <a:pPr lvl="2"/>
+            <a:r>
+              <a:rPr lang="en-US" dirty="0" smtClean="0"/>
+              <a:t>Policy: Moral Imperative to use standards?</a:t>
+            </a:r>
+          </a:p>
+          <a:p>
+            <a:pPr lvl="1"/>
             <a:endParaRPr lang="en-US" dirty="0" smtClean="0"/>
           </a:p>
           <a:p>
-            <a:r>
-              <a:rPr lang="en-US" dirty="0" smtClean="0"/>
-              <a:t>Engineering challenge</a:t>
-            </a:r>
-          </a:p>
-          <a:p>
             <a:pPr lvl="1"/>
-            <a:r>
-              <a:rPr lang="en-US" dirty="0" smtClean="0"/>
-              <a:t>Syntactical translation is the easy bit.  Enforcing/Engineering semantic consistency is the killer</a:t>
-            </a:r>
-          </a:p>
-          <a:p>
-            <a:pPr lvl="2"/>
-            <a:r>
-              <a:rPr lang="en-US" dirty="0" smtClean="0"/>
-              <a:t>For example: Failure models across different </a:t>
-            </a:r>
-            <a:r>
-              <a:rPr lang="en-US" dirty="0" err="1" smtClean="0"/>
-              <a:t>backends</a:t>
-            </a:r>
-            <a:endParaRPr lang="en-US" dirty="0" smtClean="0"/>
-          </a:p>
-          <a:p>
-            <a:r>
-              <a:rPr lang="en-US" dirty="0" smtClean="0"/>
-              <a:t>“Everything under the hood” is now our problem</a:t>
-            </a:r>
-          </a:p>
-          <a:p>
-            <a:pPr lvl="1"/>
-            <a:r>
-              <a:rPr lang="en-US" dirty="0" smtClean="0"/>
-              <a:t>Being the top layer is not the same as being the top dog!</a:t>
-            </a:r>
-          </a:p>
-          <a:p>
-            <a:pPr lvl="1"/>
-            <a:r>
-              <a:rPr lang="en-US" dirty="0" smtClean="0"/>
-              <a:t>Unreliable Middleware </a:t>
-            </a:r>
-          </a:p>
-          <a:p>
-            <a:pPr lvl="2"/>
-            <a:r>
-              <a:rPr lang="en-US" dirty="0" smtClean="0"/>
-              <a:t>Poorly engineered, insufficiently tested</a:t>
-            </a:r>
-            <a:r>
-              <a:rPr lang="en-US" dirty="0" smtClean="0"/>
-              <a:t> </a:t>
-            </a:r>
-          </a:p>
-          <a:p>
-            <a:r>
-              <a:rPr lang="en-US" dirty="0" smtClean="0"/>
-              <a:t>Low </a:t>
-            </a:r>
-            <a:r>
-              <a:rPr lang="en-US" dirty="0" smtClean="0"/>
-              <a:t>cost of ownership and development</a:t>
-            </a:r>
-          </a:p>
-          <a:p>
-            <a:pPr lvl="1"/>
-            <a:r>
-              <a:rPr lang="en-US" dirty="0" smtClean="0"/>
-              <a:t>Code base must be small,  Number of lines of code owned must be minimum</a:t>
-            </a:r>
-          </a:p>
-          <a:p>
-            <a:pPr lvl="1"/>
-            <a:r>
-              <a:rPr lang="en-US" i="1" dirty="0" smtClean="0"/>
-              <a:t>Scalable, extensible and sustainable model for cost of testing, integrating and </a:t>
-            </a:r>
-            <a:r>
-              <a:rPr lang="en-US" i="1" dirty="0" smtClean="0"/>
-              <a:t>maintaining</a:t>
-            </a:r>
-          </a:p>
-          <a:p>
-            <a:pPr lvl="2"/>
-            <a:r>
-              <a:rPr lang="en-US" i="1" dirty="0" smtClean="0"/>
-              <a:t>Interoperability examples will serve to  highlight this amongst others….</a:t>
-            </a:r>
-          </a:p>
-          <a:p>
             <a:endParaRPr lang="en-US" dirty="0" smtClean="0"/>
           </a:p>
         </p:txBody>
@@ -8047,6 +8185,179 @@
 </file>
 
 <file path=ppt/slides/slide18.xml><?xml version="1.0" encoding="utf-8"?>
+<p:sld xmlns:a="http://schemas.openxmlformats.org/drawingml/2006/main" xmlns:r="http://schemas.openxmlformats.org/officeDocument/2006/relationships" xmlns:mc="http://schemas.openxmlformats.org/markup-compatibility/2006" xmlns:mv="urn:schemas-microsoft-com:mac:vml" xmlns:p="http://schemas.openxmlformats.org/presentationml/2006/main" mc:Ignorable="mv" mc:PreserveAttributes="mv:*">
+  <p:cSld>
+    <p:spTree>
+      <p:nvGrpSpPr>
+        <p:cNvPr id="1" name=""/>
+        <p:cNvGrpSpPr/>
+        <p:nvPr/>
+      </p:nvGrpSpPr>
+      <p:grpSpPr>
+        <a:xfrm>
+          <a:off x="0" y="0"/>
+          <a:ext cx="0" cy="0"/>
+          <a:chOff x="0" y="0"/>
+          <a:chExt cx="0" cy="0"/>
+        </a:xfrm>
+      </p:grpSpPr>
+      <p:sp>
+        <p:nvSpPr>
+          <p:cNvPr id="2" name="Title 1"/>
+          <p:cNvSpPr>
+            <a:spLocks noGrp="1"/>
+          </p:cNvSpPr>
+          <p:nvPr>
+            <p:ph type="title"/>
+          </p:nvPr>
+        </p:nvSpPr>
+        <p:spPr/>
+        <p:txBody>
+          <a:bodyPr>
+            <a:normAutofit fontScale="90000"/>
+          </a:bodyPr>
+          <a:lstStyle/>
+          <a:p>
+            <a:r>
+              <a:rPr lang="en-US" dirty="0" smtClean="0"/>
+              <a:t>T-II</a:t>
+            </a:r>
+            <a:r>
+              <a:rPr lang="en-US" dirty="0" smtClean="0"/>
+              <a:t> SAGA </a:t>
+            </a:r>
+            <a:r>
+              <a:rPr lang="en-US" smtClean="0"/>
+              <a:t>Sustainability: Challenges</a:t>
+            </a:r>
+            <a:r>
+              <a:rPr lang="en-US" dirty="0" smtClean="0"/>
+              <a:t>	</a:t>
+            </a:r>
+            <a:endParaRPr lang="en-US" dirty="0"/>
+          </a:p>
+        </p:txBody>
+      </p:sp>
+      <p:sp>
+        <p:nvSpPr>
+          <p:cNvPr id="3" name="Content Placeholder 2"/>
+          <p:cNvSpPr>
+            <a:spLocks noGrp="1"/>
+          </p:cNvSpPr>
+          <p:nvPr>
+            <p:ph idx="1"/>
+          </p:nvPr>
+        </p:nvSpPr>
+        <p:spPr>
+          <a:xfrm>
+            <a:off x="757947" y="1529880"/>
+            <a:ext cx="7966954" cy="5007278"/>
+          </a:xfrm>
+        </p:spPr>
+        <p:txBody>
+          <a:bodyPr>
+            <a:normAutofit fontScale="92500" lnSpcReduction="20000"/>
+          </a:bodyPr>
+          <a:lstStyle/>
+          <a:p>
+            <a:pPr lvl="2">
+              <a:buNone/>
+            </a:pPr>
+            <a:endParaRPr lang="en-US" dirty="0" smtClean="0"/>
+          </a:p>
+          <a:p>
+            <a:r>
+              <a:rPr lang="en-US" dirty="0" smtClean="0"/>
+              <a:t>Engineering challenge</a:t>
+            </a:r>
+          </a:p>
+          <a:p>
+            <a:pPr lvl="1"/>
+            <a:r>
+              <a:rPr lang="en-US" dirty="0" smtClean="0"/>
+              <a:t>Syntactical translation is the easy bit.  Enforcing/Engineering semantic consistency is the killer</a:t>
+            </a:r>
+          </a:p>
+          <a:p>
+            <a:pPr lvl="2"/>
+            <a:r>
+              <a:rPr lang="en-US" dirty="0" smtClean="0"/>
+              <a:t>For example: Failure models across different </a:t>
+            </a:r>
+            <a:r>
+              <a:rPr lang="en-US" dirty="0" err="1" smtClean="0"/>
+              <a:t>backends</a:t>
+            </a:r>
+            <a:endParaRPr lang="en-US" dirty="0" smtClean="0"/>
+          </a:p>
+          <a:p>
+            <a:r>
+              <a:rPr lang="en-US" dirty="0" smtClean="0"/>
+              <a:t>“Everything under the hood” is now our problem</a:t>
+            </a:r>
+          </a:p>
+          <a:p>
+            <a:pPr lvl="1"/>
+            <a:r>
+              <a:rPr lang="en-US" dirty="0" smtClean="0"/>
+              <a:t>Being the top layer is not the same as being the top dog!</a:t>
+            </a:r>
+          </a:p>
+          <a:p>
+            <a:pPr lvl="1"/>
+            <a:r>
+              <a:rPr lang="en-US" dirty="0" smtClean="0"/>
+              <a:t>Unreliable Middleware </a:t>
+            </a:r>
+          </a:p>
+          <a:p>
+            <a:pPr lvl="2"/>
+            <a:r>
+              <a:rPr lang="en-US" dirty="0" smtClean="0"/>
+              <a:t>Poorly engineered, insufficiently tested </a:t>
+            </a:r>
+          </a:p>
+          <a:p>
+            <a:r>
+              <a:rPr lang="en-US" dirty="0" smtClean="0"/>
+              <a:t>Low cost of ownership and development</a:t>
+            </a:r>
+          </a:p>
+          <a:p>
+            <a:pPr lvl="1"/>
+            <a:r>
+              <a:rPr lang="en-US" dirty="0" smtClean="0"/>
+              <a:t>Code base must be small,  Number of lines of code owned must be minimum</a:t>
+            </a:r>
+          </a:p>
+          <a:p>
+            <a:pPr lvl="1"/>
+            <a:r>
+              <a:rPr lang="en-US" i="1" dirty="0" smtClean="0"/>
+              <a:t>Scalable, extensible and sustainable model for cost of testing, integrating and maintaining</a:t>
+            </a:r>
+          </a:p>
+          <a:p>
+            <a:pPr lvl="2"/>
+            <a:r>
+              <a:rPr lang="en-US" i="1" dirty="0" smtClean="0"/>
+              <a:t>Interoperability examples will serve to  highlight this amongst others….</a:t>
+            </a:r>
+          </a:p>
+          <a:p>
+            <a:endParaRPr lang="en-US" dirty="0" smtClean="0"/>
+          </a:p>
+        </p:txBody>
+      </p:sp>
+    </p:spTree>
+  </p:cSld>
+  <p:clrMapOvr>
+    <a:masterClrMapping/>
+  </p:clrMapOvr>
+</p:sld>
+</file>
+
+<file path=ppt/slides/slide19.xml><?xml version="1.0" encoding="utf-8"?>
 <p:sld xmlns:a="http://schemas.openxmlformats.org/drawingml/2006/main" xmlns:r="http://schemas.openxmlformats.org/officeDocument/2006/relationships" xmlns:mc="http://schemas.openxmlformats.org/markup-compatibility/2006" xmlns:mv="urn:schemas-microsoft-com:mac:vml" xmlns:p="http://schemas.openxmlformats.org/presentationml/2006/main" mc:Ignorable="mv" mc:PreserveAttributes="mv:*">
   <p:cSld>
     <p:spTree>
@@ -9238,7 +9549,162 @@
 </p:sld>
 </file>
 
-<file path=ppt/slides/slide19.xml><?xml version="1.0" encoding="utf-8"?>
+<file path=ppt/slides/slide2.xml><?xml version="1.0" encoding="utf-8"?>
+<p:sld xmlns:a="http://schemas.openxmlformats.org/drawingml/2006/main" xmlns:r="http://schemas.openxmlformats.org/officeDocument/2006/relationships" xmlns:mc="http://schemas.openxmlformats.org/markup-compatibility/2006" xmlns:mv="urn:schemas-microsoft-com:mac:vml" xmlns:p="http://schemas.openxmlformats.org/presentationml/2006/main" mc:Ignorable="mv" mc:PreserveAttributes="mv:*">
+  <p:cSld>
+    <p:spTree>
+      <p:nvGrpSpPr>
+        <p:cNvPr id="1" name=""/>
+        <p:cNvGrpSpPr/>
+        <p:nvPr/>
+      </p:nvGrpSpPr>
+      <p:grpSpPr>
+        <a:xfrm>
+          <a:off x="0" y="0"/>
+          <a:ext cx="0" cy="0"/>
+          <a:chOff x="0" y="0"/>
+          <a:chExt cx="0" cy="0"/>
+        </a:xfrm>
+      </p:grpSpPr>
+      <p:sp>
+        <p:nvSpPr>
+          <p:cNvPr id="4" name="Title 3"/>
+          <p:cNvSpPr>
+            <a:spLocks noGrp="1"/>
+          </p:cNvSpPr>
+          <p:nvPr>
+            <p:ph type="title"/>
+          </p:nvPr>
+        </p:nvSpPr>
+        <p:spPr/>
+        <p:txBody>
+          <a:bodyPr/>
+          <a:lstStyle/>
+          <a:p>
+            <a:r>
+              <a:rPr lang="en-US" dirty="0" smtClean="0"/>
+              <a:t>Outline</a:t>
+            </a:r>
+            <a:endParaRPr lang="en-US" dirty="0"/>
+          </a:p>
+        </p:txBody>
+      </p:sp>
+      <p:sp>
+        <p:nvSpPr>
+          <p:cNvPr id="5" name="Content Placeholder 4"/>
+          <p:cNvSpPr>
+            <a:spLocks noGrp="1"/>
+          </p:cNvSpPr>
+          <p:nvPr>
+            <p:ph idx="1"/>
+          </p:nvPr>
+        </p:nvSpPr>
+        <p:spPr>
+          <a:xfrm>
+            <a:off x="757947" y="1529879"/>
+            <a:ext cx="7966954" cy="5128689"/>
+          </a:xfrm>
+        </p:spPr>
+        <p:txBody>
+          <a:bodyPr>
+            <a:normAutofit/>
+          </a:bodyPr>
+          <a:lstStyle/>
+          <a:p>
+            <a:r>
+              <a:rPr lang="en-US" dirty="0" smtClean="0"/>
+              <a:t>Introduction to SAGA </a:t>
+            </a:r>
+          </a:p>
+          <a:p>
+            <a:r>
+              <a:rPr lang="en-US" dirty="0" smtClean="0"/>
+              <a:t>Sustainability of different types, at different levels:</a:t>
+            </a:r>
+          </a:p>
+          <a:p>
+            <a:pPr lvl="1"/>
+            <a:r>
+              <a:rPr lang="en-US" dirty="0" smtClean="0"/>
+              <a:t>T-1: Production Infrastructure (Requires SAGA)</a:t>
+            </a:r>
+          </a:p>
+          <a:p>
+            <a:pPr lvl="1"/>
+            <a:r>
+              <a:rPr lang="en-US" dirty="0" smtClean="0"/>
+              <a:t>T-II: Sustainability of SAGA -- the Implementation/Software</a:t>
+            </a:r>
+          </a:p>
+          <a:p>
+            <a:pPr lvl="1"/>
+            <a:r>
+              <a:rPr lang="en-US" dirty="0" smtClean="0"/>
+              <a:t>T-III: Sustainability of SAGA -- the Community standard</a:t>
+            </a:r>
+          </a:p>
+          <a:p>
+            <a:r>
+              <a:rPr lang="en-US" dirty="0" smtClean="0"/>
+              <a:t>“Use of standards and integration to improve use”</a:t>
+            </a:r>
+          </a:p>
+          <a:p>
+            <a:pPr lvl="1"/>
+            <a:r>
+              <a:rPr lang="en-US" dirty="0" smtClean="0"/>
+              <a:t>Four Interoperability  Projects – access layers and tools</a:t>
+            </a:r>
+          </a:p>
+          <a:p>
+            <a:pPr lvl="2"/>
+            <a:r>
+              <a:rPr lang="en-US" dirty="0" smtClean="0"/>
+              <a:t>EGEE-TG[-NAREGI] </a:t>
+            </a:r>
+          </a:p>
+          <a:p>
+            <a:pPr lvl="2"/>
+            <a:r>
+              <a:rPr lang="en-US" dirty="0" smtClean="0"/>
+              <a:t>NAREGI-TG</a:t>
+            </a:r>
+          </a:p>
+          <a:p>
+            <a:pPr lvl="2"/>
+            <a:r>
+              <a:rPr lang="en-US" dirty="0" smtClean="0"/>
+              <a:t>TG-DEISA</a:t>
+            </a:r>
+          </a:p>
+          <a:p>
+            <a:pPr lvl="2"/>
+            <a:r>
+              <a:rPr lang="en-US" dirty="0" err="1" smtClean="0"/>
+              <a:t>ExTENCI</a:t>
+            </a:r>
+            <a:r>
+              <a:rPr lang="en-US" dirty="0" smtClean="0"/>
+              <a:t> [TG-OSG]</a:t>
+            </a:r>
+          </a:p>
+          <a:p>
+            <a:r>
+              <a:rPr lang="en-US" dirty="0" smtClean="0"/>
+              <a:t>What can SSI do for SAGA?</a:t>
+            </a:r>
+          </a:p>
+        </p:txBody>
+      </p:sp>
+    </p:spTree>
+  </p:cSld>
+  <p:clrMapOvr>
+    <a:masterClrMapping/>
+  </p:clrMapOvr>
+</p:sld>
+</file>
+
+<file path=ppt/slides/slide20.xml><?xml version="1.0" encoding="utf-8"?>
 <p:sld xmlns:a="http://schemas.openxmlformats.org/drawingml/2006/main" xmlns:r="http://schemas.openxmlformats.org/officeDocument/2006/relationships" xmlns:mc="http://schemas.openxmlformats.org/markup-compatibility/2006" xmlns:mv="urn:schemas-microsoft-com:mac:vml" xmlns:p="http://schemas.openxmlformats.org/presentationml/2006/main" mc:Ignorable="mv" mc:PreserveAttributes="mv:*">
   <p:cSld>
     <p:spTree>
@@ -9509,185 +9975,7 @@
 </p:sld>
 </file>
 
-<file path=ppt/slides/slide2.xml><?xml version="1.0" encoding="utf-8"?>
-<p:sld xmlns:a="http://schemas.openxmlformats.org/drawingml/2006/main" xmlns:r="http://schemas.openxmlformats.org/officeDocument/2006/relationships" xmlns:mc="http://schemas.openxmlformats.org/markup-compatibility/2006" xmlns:mv="urn:schemas-microsoft-com:mac:vml" xmlns:p="http://schemas.openxmlformats.org/presentationml/2006/main" mc:Ignorable="mv" mc:PreserveAttributes="mv:*">
-  <p:cSld>
-    <p:spTree>
-      <p:nvGrpSpPr>
-        <p:cNvPr id="1" name=""/>
-        <p:cNvGrpSpPr/>
-        <p:nvPr/>
-      </p:nvGrpSpPr>
-      <p:grpSpPr>
-        <a:xfrm>
-          <a:off x="0" y="0"/>
-          <a:ext cx="0" cy="0"/>
-          <a:chOff x="0" y="0"/>
-          <a:chExt cx="0" cy="0"/>
-        </a:xfrm>
-      </p:grpSpPr>
-      <p:sp>
-        <p:nvSpPr>
-          <p:cNvPr id="4" name="Title 3"/>
-          <p:cNvSpPr>
-            <a:spLocks noGrp="1"/>
-          </p:cNvSpPr>
-          <p:nvPr>
-            <p:ph type="title"/>
-          </p:nvPr>
-        </p:nvSpPr>
-        <p:spPr/>
-        <p:txBody>
-          <a:bodyPr/>
-          <a:lstStyle/>
-          <a:p>
-            <a:r>
-              <a:rPr lang="en-US" dirty="0" smtClean="0"/>
-              <a:t>Outline</a:t>
-            </a:r>
-            <a:endParaRPr lang="en-US" dirty="0"/>
-          </a:p>
-        </p:txBody>
-      </p:sp>
-      <p:sp>
-        <p:nvSpPr>
-          <p:cNvPr id="5" name="Content Placeholder 4"/>
-          <p:cNvSpPr>
-            <a:spLocks noGrp="1"/>
-          </p:cNvSpPr>
-          <p:nvPr>
-            <p:ph idx="1"/>
-          </p:nvPr>
-        </p:nvSpPr>
-        <p:spPr>
-          <a:xfrm>
-            <a:off x="757947" y="1529879"/>
-            <a:ext cx="7966954" cy="5128689"/>
-          </a:xfrm>
-        </p:spPr>
-        <p:txBody>
-          <a:bodyPr>
-            <a:normAutofit/>
-          </a:bodyPr>
-          <a:lstStyle/>
-          <a:p>
-            <a:r>
-              <a:rPr lang="en-US" dirty="0" smtClean="0"/>
-              <a:t>Introduction to SAGA </a:t>
-            </a:r>
-          </a:p>
-          <a:p>
-            <a:r>
-              <a:rPr lang="en-US" dirty="0" smtClean="0"/>
-              <a:t>Sustainability of different types, at different levels:</a:t>
-            </a:r>
-          </a:p>
-          <a:p>
-            <a:pPr lvl="1"/>
-            <a:r>
-              <a:rPr lang="en-US" dirty="0" smtClean="0"/>
-              <a:t>T-1: Production Infrastructure (Requires SAGA)</a:t>
-            </a:r>
-          </a:p>
-          <a:p>
-            <a:pPr lvl="1"/>
-            <a:r>
-              <a:rPr lang="en-US" dirty="0" smtClean="0"/>
-              <a:t>T-II: Sustainability of SAGA -- the Implementation/Software</a:t>
-            </a:r>
-          </a:p>
-          <a:p>
-            <a:pPr lvl="1"/>
-            <a:r>
-              <a:rPr lang="en-US" dirty="0" smtClean="0"/>
-              <a:t>T-III: Sustainability of SAGA -- the Community standard</a:t>
-            </a:r>
-            <a:endParaRPr lang="en-US" dirty="0" smtClean="0"/>
-          </a:p>
-          <a:p>
-            <a:r>
-              <a:rPr lang="en-US" dirty="0" smtClean="0"/>
-              <a:t>“Use </a:t>
-            </a:r>
-            <a:r>
-              <a:rPr lang="en-US" dirty="0" smtClean="0"/>
-              <a:t>of standards and integration to improve </a:t>
-            </a:r>
-            <a:r>
-              <a:rPr lang="en-US" dirty="0" smtClean="0"/>
-              <a:t>use”</a:t>
-            </a:r>
-          </a:p>
-          <a:p>
-            <a:pPr lvl="1"/>
-            <a:r>
-              <a:rPr lang="en-US" dirty="0" smtClean="0"/>
-              <a:t>Four </a:t>
-            </a:r>
-            <a:r>
-              <a:rPr lang="en-US" dirty="0" smtClean="0"/>
-              <a:t>Interoperability  </a:t>
-            </a:r>
-            <a:r>
-              <a:rPr lang="en-US" dirty="0" smtClean="0"/>
-              <a:t>Projects – access layers and tools</a:t>
-            </a:r>
-          </a:p>
-          <a:p>
-            <a:pPr lvl="2"/>
-            <a:r>
-              <a:rPr lang="en-US" dirty="0" smtClean="0"/>
-              <a:t>EGEE-TG[-NAREGI] </a:t>
-            </a:r>
-            <a:endParaRPr lang="en-US" dirty="0" smtClean="0"/>
-          </a:p>
-          <a:p>
-            <a:pPr lvl="2"/>
-            <a:r>
-              <a:rPr lang="en-US" dirty="0" smtClean="0"/>
-              <a:t>NAREGI</a:t>
-            </a:r>
-            <a:r>
-              <a:rPr lang="en-US" dirty="0" smtClean="0"/>
-              <a:t>-TG</a:t>
-            </a:r>
-          </a:p>
-          <a:p>
-            <a:pPr lvl="2"/>
-            <a:r>
-              <a:rPr lang="en-US" dirty="0" smtClean="0"/>
-              <a:t>TG-DEISA</a:t>
-            </a:r>
-          </a:p>
-          <a:p>
-            <a:pPr lvl="2"/>
-            <a:r>
-              <a:rPr lang="en-US" dirty="0" err="1" smtClean="0"/>
-              <a:t>ExTENCI</a:t>
-            </a:r>
-            <a:r>
-              <a:rPr lang="en-US" dirty="0" smtClean="0"/>
-              <a:t> [TG-OSG]</a:t>
-            </a:r>
-          </a:p>
-          <a:p>
-            <a:r>
-              <a:rPr lang="en-US" dirty="0" smtClean="0"/>
-              <a:t>What can SSI do for SAGA?</a:t>
-            </a:r>
-            <a:endParaRPr lang="en-US" dirty="0" smtClean="0"/>
-          </a:p>
-        </p:txBody>
-      </p:sp>
-    </p:spTree>
-  </p:cSld>
-  <p:clrMapOvr>
-    <a:masterClrMapping/>
-  </p:clrMapOvr>
-</p:sld>
-</file>
-
-<file path=ppt/slides/slide20.xml><?xml version="1.0" encoding="utf-8"?>
+<file path=ppt/slides/slide21.xml><?xml version="1.0" encoding="utf-8"?>
 <p:sld xmlns:a="http://schemas.openxmlformats.org/drawingml/2006/main" xmlns:r="http://schemas.openxmlformats.org/officeDocument/2006/relationships" xmlns:mc="http://schemas.openxmlformats.org/markup-compatibility/2006" xmlns:mv="urn:schemas-microsoft-com:mac:vml" xmlns:p="http://schemas.openxmlformats.org/presentationml/2006/main" mc:Ignorable="mv" mc:PreserveAttributes="mv:*">
   <p:cSld>
     <p:spTree>
@@ -9736,7 +10024,7 @@
 </p:sld>
 </file>
 
-<file path=ppt/slides/slide21.xml><?xml version="1.0" encoding="utf-8"?>
+<file path=ppt/slides/slide22.xml><?xml version="1.0" encoding="utf-8"?>
 <p:sld xmlns:a="http://schemas.openxmlformats.org/drawingml/2006/main" xmlns:r="http://schemas.openxmlformats.org/officeDocument/2006/relationships" xmlns:mc="http://schemas.openxmlformats.org/markup-compatibility/2006" xmlns:mv="urn:schemas-microsoft-com:mac:vml" xmlns:p="http://schemas.openxmlformats.org/presentationml/2006/main" mc:Ignorable="mv" mc:PreserveAttributes="mv:*">
   <p:cSld>
     <p:spTree>
@@ -9785,7 +10073,7 @@
 </p:sld>
 </file>
 
-<file path=ppt/slides/slide22.xml><?xml version="1.0" encoding="utf-8"?>
+<file path=ppt/slides/slide23.xml><?xml version="1.0" encoding="utf-8"?>
 <p:sld xmlns:a="http://schemas.openxmlformats.org/drawingml/2006/main" xmlns:r="http://schemas.openxmlformats.org/officeDocument/2006/relationships" xmlns:mc="http://schemas.openxmlformats.org/markup-compatibility/2006" xmlns:mv="urn:schemas-microsoft-com:mac:vml" xmlns:p="http://schemas.openxmlformats.org/presentationml/2006/main" mc:Ignorable="mv" mc:PreserveAttributes="mv:*">
   <p:cSld>
     <p:spTree>
@@ -9842,7 +10130,7 @@
 </p:sld>
 </file>
 
-<file path=ppt/slides/slide23.xml><?xml version="1.0" encoding="utf-8"?>
+<file path=ppt/slides/slide24.xml><?xml version="1.0" encoding="utf-8"?>
 <p:sld xmlns:a="http://schemas.openxmlformats.org/drawingml/2006/main" xmlns:r="http://schemas.openxmlformats.org/officeDocument/2006/relationships" xmlns:mc="http://schemas.openxmlformats.org/markup-compatibility/2006" xmlns:mv="urn:schemas-microsoft-com:mac:vml" xmlns:p="http://schemas.openxmlformats.org/presentationml/2006/main" mc:Ignorable="mv" mc:PreserveAttributes="mv:*">
   <p:cSld>
     <p:spTree>
@@ -11506,7 +11794,7 @@
 </p:sld>
 </file>
 
-<file path=ppt/slides/slide24.xml><?xml version="1.0" encoding="utf-8"?>
+<file path=ppt/slides/slide25.xml><?xml version="1.0" encoding="utf-8"?>
 <p:sld xmlns:a="http://schemas.openxmlformats.org/drawingml/2006/main" xmlns:r="http://schemas.openxmlformats.org/officeDocument/2006/relationships" xmlns:mc="http://schemas.openxmlformats.org/markup-compatibility/2006" xmlns:mv="urn:schemas-microsoft-com:mac:vml" xmlns:p="http://schemas.openxmlformats.org/presentationml/2006/main" mc:Ignorable="mv" mc:PreserveAttributes="mv:*">
   <p:cSld>
     <p:spTree>
@@ -11911,193 +12199,6 @@
 </p:sld>
 </file>
 
-<file path=ppt/slides/slide25.xml><?xml version="1.0" encoding="utf-8"?>
-<p:sld xmlns:a="http://schemas.openxmlformats.org/drawingml/2006/main" xmlns:r="http://schemas.openxmlformats.org/officeDocument/2006/relationships" xmlns:mc="http://schemas.openxmlformats.org/markup-compatibility/2006" xmlns:mv="urn:schemas-microsoft-com:mac:vml" xmlns:p="http://schemas.openxmlformats.org/presentationml/2006/main" mc:Ignorable="mv" mc:PreserveAttributes="mv:*">
-  <p:cSld>
-    <p:spTree>
-      <p:nvGrpSpPr>
-        <p:cNvPr id="1" name=""/>
-        <p:cNvGrpSpPr/>
-        <p:nvPr/>
-      </p:nvGrpSpPr>
-      <p:grpSpPr>
-        <a:xfrm>
-          <a:off x="0" y="0"/>
-          <a:ext cx="0" cy="0"/>
-          <a:chOff x="0" y="0"/>
-          <a:chExt cx="0" cy="0"/>
-        </a:xfrm>
-      </p:grpSpPr>
-      <p:sp>
-        <p:nvSpPr>
-          <p:cNvPr id="2" name="Title 1"/>
-          <p:cNvSpPr>
-            <a:spLocks noGrp="1"/>
-          </p:cNvSpPr>
-          <p:nvPr>
-            <p:ph type="title"/>
-          </p:nvPr>
-        </p:nvSpPr>
-        <p:spPr/>
-        <p:txBody>
-          <a:bodyPr>
-            <a:normAutofit fontScale="90000"/>
-          </a:bodyPr>
-          <a:lstStyle/>
-          <a:p>
-            <a:r>
-              <a:rPr lang="en-US" dirty="0" err="1" smtClean="0"/>
-              <a:t>ExTENCI</a:t>
-            </a:r>
-            <a:r>
-              <a:rPr lang="en-US" dirty="0" smtClean="0"/>
-              <a:t>: Cactus Application Scenarios</a:t>
-            </a:r>
-            <a:endParaRPr lang="en-US" dirty="0"/>
-          </a:p>
-        </p:txBody>
-      </p:sp>
-      <p:sp>
-        <p:nvSpPr>
-          <p:cNvPr id="3" name="Content Placeholder 2"/>
-          <p:cNvSpPr>
-            <a:spLocks noGrp="1"/>
-          </p:cNvSpPr>
-          <p:nvPr>
-            <p:ph idx="1"/>
-          </p:nvPr>
-        </p:nvSpPr>
-        <p:spPr/>
-        <p:txBody>
-          <a:bodyPr/>
-          <a:lstStyle/>
-          <a:p>
-            <a:r>
-              <a:rPr lang="en-US" dirty="0" smtClean="0"/>
-              <a:t>Problem size varies – determinant of Infrastructure used</a:t>
-            </a:r>
-          </a:p>
-          <a:p>
-            <a:pPr lvl="1"/>
-            <a:r>
-              <a:rPr lang="en-US" dirty="0" smtClean="0"/>
-              <a:t>TG, OSG or either..</a:t>
-            </a:r>
-          </a:p>
-          <a:p>
-            <a:r>
-              <a:rPr lang="en-US" dirty="0" smtClean="0"/>
-              <a:t>MPI-based applications have a very complex SW environment that they need to worry about</a:t>
-            </a:r>
-          </a:p>
-          <a:p>
-            <a:r>
-              <a:rPr lang="en-US" dirty="0" smtClean="0"/>
-              <a:t>Application Scenarios/Usage Modes</a:t>
-            </a:r>
-          </a:p>
-          <a:p>
-            <a:pPr lvl="1"/>
-            <a:r>
-              <a:rPr lang="en-US" dirty="0" smtClean="0"/>
-              <a:t>1. Ensemble of Cactus Simulations</a:t>
-            </a:r>
-          </a:p>
-          <a:p>
-            <a:pPr lvl="2"/>
-            <a:r>
-              <a:rPr lang="en-US" dirty="0" err="1" smtClean="0"/>
-              <a:t>NumRel</a:t>
-            </a:r>
-            <a:r>
-              <a:rPr lang="en-US" dirty="0" smtClean="0"/>
-              <a:t>, </a:t>
-            </a:r>
-            <a:r>
-              <a:rPr lang="en-US" dirty="0" err="1" smtClean="0"/>
-              <a:t>EnKF</a:t>
-            </a:r>
-            <a:r>
-              <a:rPr lang="en-US" dirty="0" smtClean="0"/>
-              <a:t> (Petroleum Eng)</a:t>
-            </a:r>
-          </a:p>
-          <a:p>
-            <a:pPr lvl="1"/>
-            <a:r>
-              <a:rPr lang="en-US" dirty="0" smtClean="0"/>
-              <a:t>2. </a:t>
-            </a:r>
-            <a:r>
-              <a:rPr lang="en-US" dirty="0" err="1" smtClean="0"/>
-              <a:t>Multiphysics</a:t>
-            </a:r>
-            <a:r>
-              <a:rPr lang="en-US" dirty="0" smtClean="0"/>
-              <a:t> Code</a:t>
-            </a:r>
-          </a:p>
-          <a:p>
-            <a:pPr lvl="2"/>
-            <a:r>
-              <a:rPr lang="en-US" dirty="0" smtClean="0"/>
-              <a:t>GR-MHD, CFD-MD</a:t>
-            </a:r>
-          </a:p>
-          <a:p>
-            <a:pPr lvl="1"/>
-            <a:r>
-              <a:rPr lang="en-US" dirty="0" smtClean="0"/>
-              <a:t>3. Spawning Simulations</a:t>
-            </a:r>
-          </a:p>
-          <a:p>
-            <a:pPr lvl="2"/>
-            <a:r>
-              <a:rPr lang="en-US" dirty="0" err="1" smtClean="0"/>
-              <a:t>Realtime</a:t>
-            </a:r>
-            <a:r>
-              <a:rPr lang="en-US" dirty="0" smtClean="0"/>
-              <a:t> ‘outsourcing’ from </a:t>
-            </a:r>
-            <a:r>
-              <a:rPr lang="en-US" dirty="0" err="1" smtClean="0"/>
-              <a:t>BlueWaters</a:t>
-            </a:r>
-            <a:r>
-              <a:rPr lang="en-US" dirty="0" smtClean="0"/>
-              <a:t>/Ranger to </a:t>
-            </a:r>
-            <a:r>
-              <a:rPr lang="en-US" dirty="0" err="1" smtClean="0"/>
-              <a:t>specialised</a:t>
-            </a:r>
-            <a:r>
-              <a:rPr lang="en-US" dirty="0" smtClean="0"/>
-              <a:t> architectures or less powerful resources</a:t>
-            </a:r>
-          </a:p>
-          <a:p>
-            <a:endParaRPr lang="en-US" dirty="0" smtClean="0"/>
-          </a:p>
-          <a:p>
-            <a:endParaRPr lang="en-US" dirty="0" smtClean="0"/>
-          </a:p>
-          <a:p>
-            <a:pPr lvl="1"/>
-            <a:endParaRPr lang="en-US" dirty="0"/>
-          </a:p>
-        </p:txBody>
-      </p:sp>
-    </p:spTree>
-  </p:cSld>
-  <p:clrMapOvr>
-    <a:masterClrMapping/>
-  </p:clrMapOvr>
-</p:sld>
-</file>
-
 <file path=ppt/slides/slide26.xml><?xml version="1.0" encoding="utf-8"?>
 <p:sld xmlns:a="http://schemas.openxmlformats.org/drawingml/2006/main" xmlns:r="http://schemas.openxmlformats.org/officeDocument/2006/relationships" xmlns:mc="http://schemas.openxmlformats.org/markup-compatibility/2006" xmlns:mv="urn:schemas-microsoft-com:mac:vml" xmlns:p="http://schemas.openxmlformats.org/presentationml/2006/main" mc:Ignorable="mv" mc:PreserveAttributes="mv:*">
   <p:cSld>
@@ -12117,6 +12218,193 @@
       </p:grpSpPr>
       <p:sp>
         <p:nvSpPr>
+          <p:cNvPr id="2" name="Title 1"/>
+          <p:cNvSpPr>
+            <a:spLocks noGrp="1"/>
+          </p:cNvSpPr>
+          <p:nvPr>
+            <p:ph type="title"/>
+          </p:nvPr>
+        </p:nvSpPr>
+        <p:spPr/>
+        <p:txBody>
+          <a:bodyPr>
+            <a:normAutofit fontScale="90000"/>
+          </a:bodyPr>
+          <a:lstStyle/>
+          <a:p>
+            <a:r>
+              <a:rPr lang="en-US" dirty="0" err="1" smtClean="0"/>
+              <a:t>ExTENCI</a:t>
+            </a:r>
+            <a:r>
+              <a:rPr lang="en-US" dirty="0" smtClean="0"/>
+              <a:t>: Cactus Application Scenarios</a:t>
+            </a:r>
+            <a:endParaRPr lang="en-US" dirty="0"/>
+          </a:p>
+        </p:txBody>
+      </p:sp>
+      <p:sp>
+        <p:nvSpPr>
+          <p:cNvPr id="3" name="Content Placeholder 2"/>
+          <p:cNvSpPr>
+            <a:spLocks noGrp="1"/>
+          </p:cNvSpPr>
+          <p:nvPr>
+            <p:ph idx="1"/>
+          </p:nvPr>
+        </p:nvSpPr>
+        <p:spPr/>
+        <p:txBody>
+          <a:bodyPr/>
+          <a:lstStyle/>
+          <a:p>
+            <a:r>
+              <a:rPr lang="en-US" dirty="0" smtClean="0"/>
+              <a:t>Problem size varies – determinant of Infrastructure used</a:t>
+            </a:r>
+          </a:p>
+          <a:p>
+            <a:pPr lvl="1"/>
+            <a:r>
+              <a:rPr lang="en-US" dirty="0" smtClean="0"/>
+              <a:t>TG, OSG or either..</a:t>
+            </a:r>
+          </a:p>
+          <a:p>
+            <a:r>
+              <a:rPr lang="en-US" dirty="0" smtClean="0"/>
+              <a:t>MPI-based applications have a very complex SW environment that they need to worry about</a:t>
+            </a:r>
+          </a:p>
+          <a:p>
+            <a:r>
+              <a:rPr lang="en-US" dirty="0" smtClean="0"/>
+              <a:t>Application Scenarios/Usage Modes</a:t>
+            </a:r>
+          </a:p>
+          <a:p>
+            <a:pPr lvl="1"/>
+            <a:r>
+              <a:rPr lang="en-US" dirty="0" smtClean="0"/>
+              <a:t>1. Ensemble of Cactus Simulations</a:t>
+            </a:r>
+          </a:p>
+          <a:p>
+            <a:pPr lvl="2"/>
+            <a:r>
+              <a:rPr lang="en-US" dirty="0" err="1" smtClean="0"/>
+              <a:t>NumRel</a:t>
+            </a:r>
+            <a:r>
+              <a:rPr lang="en-US" dirty="0" smtClean="0"/>
+              <a:t>, </a:t>
+            </a:r>
+            <a:r>
+              <a:rPr lang="en-US" dirty="0" err="1" smtClean="0"/>
+              <a:t>EnKF</a:t>
+            </a:r>
+            <a:r>
+              <a:rPr lang="en-US" dirty="0" smtClean="0"/>
+              <a:t> (Petroleum Eng)</a:t>
+            </a:r>
+          </a:p>
+          <a:p>
+            <a:pPr lvl="1"/>
+            <a:r>
+              <a:rPr lang="en-US" dirty="0" smtClean="0"/>
+              <a:t>2. </a:t>
+            </a:r>
+            <a:r>
+              <a:rPr lang="en-US" dirty="0" err="1" smtClean="0"/>
+              <a:t>Multiphysics</a:t>
+            </a:r>
+            <a:r>
+              <a:rPr lang="en-US" dirty="0" smtClean="0"/>
+              <a:t> Code</a:t>
+            </a:r>
+          </a:p>
+          <a:p>
+            <a:pPr lvl="2"/>
+            <a:r>
+              <a:rPr lang="en-US" dirty="0" smtClean="0"/>
+              <a:t>GR-MHD, CFD-MD</a:t>
+            </a:r>
+          </a:p>
+          <a:p>
+            <a:pPr lvl="1"/>
+            <a:r>
+              <a:rPr lang="en-US" dirty="0" smtClean="0"/>
+              <a:t>3. Spawning Simulations</a:t>
+            </a:r>
+          </a:p>
+          <a:p>
+            <a:pPr lvl="2"/>
+            <a:r>
+              <a:rPr lang="en-US" dirty="0" err="1" smtClean="0"/>
+              <a:t>Realtime</a:t>
+            </a:r>
+            <a:r>
+              <a:rPr lang="en-US" dirty="0" smtClean="0"/>
+              <a:t> ‘outsourcing’ from </a:t>
+            </a:r>
+            <a:r>
+              <a:rPr lang="en-US" dirty="0" err="1" smtClean="0"/>
+              <a:t>BlueWaters</a:t>
+            </a:r>
+            <a:r>
+              <a:rPr lang="en-US" dirty="0" smtClean="0"/>
+              <a:t>/Ranger to </a:t>
+            </a:r>
+            <a:r>
+              <a:rPr lang="en-US" dirty="0" err="1" smtClean="0"/>
+              <a:t>specialised</a:t>
+            </a:r>
+            <a:r>
+              <a:rPr lang="en-US" dirty="0" smtClean="0"/>
+              <a:t> architectures or less powerful resources</a:t>
+            </a:r>
+          </a:p>
+          <a:p>
+            <a:endParaRPr lang="en-US" dirty="0" smtClean="0"/>
+          </a:p>
+          <a:p>
+            <a:endParaRPr lang="en-US" dirty="0" smtClean="0"/>
+          </a:p>
+          <a:p>
+            <a:pPr lvl="1"/>
+            <a:endParaRPr lang="en-US" dirty="0"/>
+          </a:p>
+        </p:txBody>
+      </p:sp>
+    </p:spTree>
+  </p:cSld>
+  <p:clrMapOvr>
+    <a:masterClrMapping/>
+  </p:clrMapOvr>
+</p:sld>
+</file>
+
+<file path=ppt/slides/slide27.xml><?xml version="1.0" encoding="utf-8"?>
+<p:sld xmlns:a="http://schemas.openxmlformats.org/drawingml/2006/main" xmlns:r="http://schemas.openxmlformats.org/officeDocument/2006/relationships" xmlns:mc="http://schemas.openxmlformats.org/markup-compatibility/2006" xmlns:mv="urn:schemas-microsoft-com:mac:vml" xmlns:p="http://schemas.openxmlformats.org/presentationml/2006/main" mc:Ignorable="mv" mc:PreserveAttributes="mv:*">
+  <p:cSld>
+    <p:spTree>
+      <p:nvGrpSpPr>
+        <p:cNvPr id="1" name=""/>
+        <p:cNvGrpSpPr/>
+        <p:nvPr/>
+      </p:nvGrpSpPr>
+      <p:grpSpPr>
+        <a:xfrm>
+          <a:off x="0" y="0"/>
+          <a:ext cx="0" cy="0"/>
+          <a:chOff x="0" y="0"/>
+          <a:chExt cx="0" cy="0"/>
+        </a:xfrm>
+      </p:grpSpPr>
+      <p:sp>
+        <p:nvSpPr>
           <p:cNvPr id="48130" name="Rectangle 1"/>
           <p:cNvSpPr>
             <a:spLocks noGrp="1" noChangeArrowheads="1"/>
@@ -12134,23 +12422,24 @@
           <a:p>
             <a:r>
               <a:rPr lang="en-US" dirty="0" smtClean="0"/>
-              <a:t>SAGA:</a:t>
-            </a:r>
-            <a:r>
-              <a:rPr lang="en-US" dirty="0" smtClean="0"/>
-              <a:t> Access Layers</a:t>
+              <a:t>SAGA: Access Layers</a:t>
+            </a:r>
+            <a:r>
+              <a:rPr lang="en-US" dirty="0" smtClean="0"/>
+              <a:t/>
             </a:r>
             <a:br>
               <a:rPr lang="en-US" dirty="0" smtClean="0"/>
             </a:br>
             <a:r>
               <a:rPr lang="en-US" dirty="0" smtClean="0"/>
-              <a:t>Available </a:t>
+              <a:t>Challenge of many </a:t>
             </a:r>
             <a:r>
               <a:rPr lang="en-US" dirty="0" smtClean="0"/>
               <a:t>Adaptors</a:t>
             </a:r>
+            <a:endParaRPr lang="en-US" dirty="0" smtClean="0"/>
           </a:p>
         </p:txBody>
       </p:sp>
@@ -12347,7 +12636,7 @@
 </p:sld>
 </file>
 
-<file path=ppt/slides/slide27.xml><?xml version="1.0" encoding="utf-8"?>
+<file path=ppt/slides/slide28.xml><?xml version="1.0" encoding="utf-8"?>
 <p:sld xmlns:a="http://schemas.openxmlformats.org/drawingml/2006/main" xmlns:r="http://schemas.openxmlformats.org/officeDocument/2006/relationships" xmlns:mc="http://schemas.openxmlformats.org/markup-compatibility/2006" xmlns:mv="urn:schemas-microsoft-com:mac:vml" xmlns:p="http://schemas.openxmlformats.org/presentationml/2006/main" mc:Ignorable="mv" mc:PreserveAttributes="mv:*">
   <p:cSld>
     <p:spTree>
@@ -12975,7 +13264,7 @@
 </p:sld>
 </file>
 
-<file path=ppt/slides/slide28.xml><?xml version="1.0" encoding="utf-8"?>
+<file path=ppt/slides/slide29.xml><?xml version="1.0" encoding="utf-8"?>
 <p:sld xmlns:a="http://schemas.openxmlformats.org/drawingml/2006/main" xmlns:r="http://schemas.openxmlformats.org/officeDocument/2006/relationships" xmlns:mc="http://schemas.openxmlformats.org/markup-compatibility/2006" xmlns:mv="urn:schemas-microsoft-com:mac:vml" xmlns:p="http://schemas.openxmlformats.org/presentationml/2006/main" mc:Ignorable="mv" mc:PreserveAttributes="mv:*">
   <p:cSld>
     <p:spTree>
@@ -13042,7 +13331,7 @@
               <a:pPr>
                 <a:defRPr/>
               </a:pPr>
-              <a:t>28</a:t>
+              <a:t>29</a:t>
             </a:fld>
             <a:endParaRPr lang="en-US"/>
           </a:p>
@@ -14967,7 +15256,7 @@
 </p:sld>
 </file>
 
-<file path=ppt/slides/slide29.xml><?xml version="1.0" encoding="utf-8"?>
+<file path=ppt/slides/slide3.xml><?xml version="1.0" encoding="utf-8"?>
 <p:sld xmlns:a="http://schemas.openxmlformats.org/drawingml/2006/main" xmlns:r="http://schemas.openxmlformats.org/officeDocument/2006/relationships" xmlns:mc="http://schemas.openxmlformats.org/markup-compatibility/2006" xmlns:mv="urn:schemas-microsoft-com:mac:vml" xmlns:p="http://schemas.openxmlformats.org/presentationml/2006/main" mc:Ignorable="mv" mc:PreserveAttributes="mv:*">
   <p:cSld>
     <p:spTree>
@@ -14984,6 +15273,579 @@
           <a:chExt cx="0" cy="0"/>
         </a:xfrm>
       </p:grpSpPr>
+      <p:pic>
+        <p:nvPicPr>
+          <p:cNvPr id="26626" name="Picture 1"/>
+          <p:cNvPicPr>
+            <a:picLocks noChangeArrowheads="1"/>
+          </p:cNvPicPr>
+          <p:nvPr/>
+        </p:nvPicPr>
+        <p:blipFill>
+          <a:blip r:embed="rId2"/>
+          <a:srcRect/>
+          <a:stretch>
+            <a:fillRect/>
+          </a:stretch>
+        </p:blipFill>
+        <p:spPr bwMode="auto">
+          <a:xfrm>
+            <a:off x="9525" y="44450"/>
+            <a:ext cx="1290638" cy="1062038"/>
+          </a:xfrm>
+          <a:prstGeom prst="rect">
+            <a:avLst/>
+          </a:prstGeom>
+          <a:noFill/>
+          <a:ln w="12700">
+            <a:noFill/>
+            <a:miter lim="800000"/>
+            <a:headEnd/>
+            <a:tailEnd/>
+          </a:ln>
+        </p:spPr>
+      </p:pic>
+      <p:pic>
+        <p:nvPicPr>
+          <p:cNvPr id="26627" name="Picture 2"/>
+          <p:cNvPicPr>
+            <a:picLocks noChangeArrowheads="1"/>
+          </p:cNvPicPr>
+          <p:nvPr/>
+        </p:nvPicPr>
+        <p:blipFill>
+          <a:blip r:embed="rId3"/>
+          <a:srcRect/>
+          <a:stretch>
+            <a:fillRect/>
+          </a:stretch>
+        </p:blipFill>
+        <p:spPr bwMode="auto">
+          <a:xfrm>
+            <a:off x="7567613" y="36513"/>
+            <a:ext cx="1576387" cy="954087"/>
+          </a:xfrm>
+          <a:prstGeom prst="rect">
+            <a:avLst/>
+          </a:prstGeom>
+          <a:noFill/>
+          <a:ln w="12700">
+            <a:noFill/>
+            <a:miter lim="800000"/>
+            <a:headEnd/>
+            <a:tailEnd/>
+          </a:ln>
+        </p:spPr>
+      </p:pic>
+      <p:sp>
+        <p:nvSpPr>
+          <p:cNvPr id="26629" name="Rectangle 4"/>
+          <p:cNvSpPr>
+            <a:spLocks noGrp="1" noChangeArrowheads="1"/>
+          </p:cNvSpPr>
+          <p:nvPr>
+            <p:ph type="title"/>
+          </p:nvPr>
+        </p:nvSpPr>
+        <p:spPr/>
+        <p:txBody>
+          <a:bodyPr/>
+          <a:lstStyle/>
+          <a:p>
+            <a:r>
+              <a:rPr lang="en-US" dirty="0" smtClean="0"/>
+              <a:t>SAGA: In a nutshell</a:t>
+            </a:r>
+            <a:endParaRPr lang="en-US" dirty="0"/>
+          </a:p>
+        </p:txBody>
+      </p:sp>
+      <p:sp>
+        <p:nvSpPr>
+          <p:cNvPr id="12" name="Rectangle 5"/>
+          <p:cNvSpPr txBox="1">
+            <a:spLocks noChangeArrowheads="1"/>
+          </p:cNvSpPr>
+          <p:nvPr/>
+        </p:nvSpPr>
+        <p:spPr>
+          <a:xfrm>
+            <a:off x="757947" y="1529880"/>
+            <a:ext cx="7966954" cy="5033310"/>
+          </a:xfrm>
+          <a:prstGeom prst="rect">
+            <a:avLst/>
+          </a:prstGeom>
+        </p:spPr>
+        <p:txBody>
+          <a:bodyPr vert="horz" lIns="91440" tIns="45720" rIns="91440" bIns="45720" rtlCol="0">
+            <a:normAutofit/>
+          </a:bodyPr>
+          <a:lstStyle/>
+          <a:p>
+            <a:pPr marL="342900" marR="0" lvl="0" indent="-342900" algn="l" defTabSz="914400" rtl="0" eaLnBrk="1" fontAlgn="auto" latinLnBrk="0" hangingPunct="1">
+              <a:lnSpc>
+                <a:spcPct val="100000"/>
+              </a:lnSpc>
+              <a:spcBef>
+                <a:spcPts val="2000"/>
+              </a:spcBef>
+              <a:spcAft>
+                <a:spcPts val="0"/>
+              </a:spcAft>
+              <a:buClr>
+                <a:schemeClr val="tx1">
+                  <a:lumMod val="75000"/>
+                  <a:lumOff val="25000"/>
+                </a:schemeClr>
+              </a:buClr>
+              <a:buSzTx/>
+              <a:buFont typeface="Wingdings 2" pitchFamily="18" charset="2"/>
+              <a:buChar char=""/>
+              <a:tabLst/>
+              <a:defRPr/>
+            </a:pPr>
+            <a:r>
+              <a:rPr kumimoji="0" lang="en-US" sz="2000" b="0" i="0" u="none" strike="noStrike" kern="1200" cap="none" spc="0" normalizeH="0" baseline="0" noProof="0" dirty="0" smtClean="0">
+                <a:ln>
+                  <a:noFill/>
+                </a:ln>
+                <a:solidFill>
+                  <a:schemeClr val="tx1">
+                    <a:lumMod val="65000"/>
+                    <a:lumOff val="35000"/>
+                  </a:schemeClr>
+                </a:solidFill>
+                <a:effectLst/>
+                <a:uLnTx/>
+                <a:uFillTx/>
+                <a:latin typeface="+mn-lt"/>
+                <a:ea typeface="+mn-ea"/>
+                <a:cs typeface="+mn-cs"/>
+              </a:rPr>
+              <a:t>There exists a lack of programmatic approaches that:</a:t>
+            </a:r>
+          </a:p>
+          <a:p>
+            <a:pPr marL="685800" marR="0" lvl="1" indent="-336550" algn="l" defTabSz="914400" rtl="0" eaLnBrk="1" fontAlgn="auto" latinLnBrk="0" hangingPunct="1">
+              <a:lnSpc>
+                <a:spcPct val="100000"/>
+              </a:lnSpc>
+              <a:spcBef>
+                <a:spcPts val="600"/>
+              </a:spcBef>
+              <a:spcAft>
+                <a:spcPts val="0"/>
+              </a:spcAft>
+              <a:buClr>
+                <a:schemeClr val="tx1">
+                  <a:lumMod val="95000"/>
+                  <a:lumOff val="5000"/>
+                </a:schemeClr>
+              </a:buClr>
+              <a:buSzTx/>
+              <a:buFont typeface="Arial"/>
+              <a:buChar char="•"/>
+              <a:tabLst/>
+              <a:defRPr/>
+            </a:pPr>
+            <a:r>
+              <a:rPr kumimoji="0" lang="en-US" sz="1800" b="0" i="0" u="none" strike="noStrike" kern="1200" cap="none" spc="0" normalizeH="0" baseline="0" noProof="0" dirty="0" smtClean="0">
+                <a:ln>
+                  <a:noFill/>
+                </a:ln>
+                <a:solidFill>
+                  <a:schemeClr val="accent5"/>
+                </a:solidFill>
+                <a:effectLst/>
+                <a:uLnTx/>
+                <a:uFillTx/>
+                <a:latin typeface="+mn-lt"/>
+                <a:ea typeface="+mn-ea"/>
+                <a:cs typeface="+mn-cs"/>
+              </a:rPr>
+              <a:t>Provide general-purpose,</a:t>
+            </a:r>
+            <a:r>
+              <a:rPr kumimoji="0" lang="en-US" sz="1800" b="0" i="0" u="none" strike="noStrike" kern="1200" cap="none" spc="0" normalizeH="0" noProof="0" dirty="0" smtClean="0">
+                <a:ln>
+                  <a:noFill/>
+                </a:ln>
+                <a:solidFill>
+                  <a:schemeClr val="accent5"/>
+                </a:solidFill>
+                <a:effectLst/>
+                <a:uLnTx/>
+                <a:uFillTx/>
+                <a:latin typeface="+mn-lt"/>
+                <a:ea typeface="+mn-ea"/>
+                <a:cs typeface="+mn-cs"/>
+              </a:rPr>
+              <a:t> basic &amp;</a:t>
+            </a:r>
+            <a:r>
+              <a:rPr kumimoji="0" lang="en-US" sz="1800" b="0" i="0" u="none" strike="noStrike" kern="1200" cap="none" spc="0" normalizeH="0" baseline="0" noProof="0" dirty="0" smtClean="0">
+                <a:ln>
+                  <a:noFill/>
+                </a:ln>
+                <a:solidFill>
+                  <a:schemeClr val="accent5"/>
+                </a:solidFill>
+                <a:effectLst/>
+                <a:uLnTx/>
+                <a:uFillTx/>
+                <a:latin typeface="+mn-lt"/>
+                <a:ea typeface="+mn-ea"/>
+                <a:cs typeface="+mn-cs"/>
+              </a:rPr>
+              <a:t>common grid functionality for applications and thus hide underlying complexity, varying semantics..</a:t>
+            </a:r>
+          </a:p>
+          <a:p>
+            <a:pPr marL="685800" marR="0" lvl="1" indent="-336550" algn="l" defTabSz="914400" rtl="0" eaLnBrk="1" fontAlgn="auto" latinLnBrk="0" hangingPunct="1">
+              <a:lnSpc>
+                <a:spcPct val="100000"/>
+              </a:lnSpc>
+              <a:spcBef>
+                <a:spcPts val="600"/>
+              </a:spcBef>
+              <a:spcAft>
+                <a:spcPts val="0"/>
+              </a:spcAft>
+              <a:buClr>
+                <a:schemeClr val="tx1">
+                  <a:lumMod val="95000"/>
+                  <a:lumOff val="5000"/>
+                </a:schemeClr>
+              </a:buClr>
+              <a:buSzTx/>
+              <a:buFont typeface="Arial"/>
+              <a:buChar char="•"/>
+              <a:tabLst/>
+              <a:defRPr/>
+            </a:pPr>
+            <a:r>
+              <a:rPr kumimoji="0" lang="en-US" sz="1800" b="0" i="0" u="none" strike="noStrike" kern="1200" cap="none" spc="0" normalizeH="0" baseline="0" noProof="0" dirty="0" smtClean="0">
+                <a:ln>
+                  <a:noFill/>
+                </a:ln>
+                <a:solidFill>
+                  <a:schemeClr val="accent5"/>
+                </a:solidFill>
+                <a:effectLst/>
+                <a:uLnTx/>
+                <a:uFillTx/>
+                <a:latin typeface="+mn-lt"/>
+                <a:ea typeface="+mn-ea"/>
+                <a:cs typeface="+mn-cs"/>
+              </a:rPr>
+              <a:t>The building blocks upon which to construct “consistent” higher-levels of functionality and abstractions</a:t>
+            </a:r>
+          </a:p>
+          <a:p>
+            <a:pPr marL="685800" marR="0" lvl="1" indent="-336550" algn="l" defTabSz="914400" rtl="0" eaLnBrk="1" fontAlgn="auto" latinLnBrk="0" hangingPunct="1">
+              <a:lnSpc>
+                <a:spcPct val="100000"/>
+              </a:lnSpc>
+              <a:spcBef>
+                <a:spcPts val="600"/>
+              </a:spcBef>
+              <a:spcAft>
+                <a:spcPts val="0"/>
+              </a:spcAft>
+              <a:buClr>
+                <a:schemeClr val="tx1">
+                  <a:lumMod val="95000"/>
+                  <a:lumOff val="5000"/>
+                </a:schemeClr>
+              </a:buClr>
+              <a:buSzTx/>
+              <a:buFont typeface="Arial"/>
+              <a:buChar char="•"/>
+              <a:tabLst/>
+              <a:defRPr/>
+            </a:pPr>
+            <a:r>
+              <a:rPr kumimoji="0" lang="en-US" sz="1800" b="0" i="0" u="none" strike="noStrike" kern="1200" cap="none" spc="0" normalizeH="0" baseline="0" noProof="0" dirty="0" smtClean="0">
+                <a:ln>
+                  <a:noFill/>
+                </a:ln>
+                <a:solidFill>
+                  <a:schemeClr val="accent5"/>
+                </a:solidFill>
+                <a:effectLst/>
+                <a:uLnTx/>
+                <a:uFillTx/>
+                <a:latin typeface="+mn-lt"/>
+                <a:ea typeface="+mn-ea"/>
+                <a:cs typeface="+mn-cs"/>
+              </a:rPr>
+              <a:t>Meets the need for a Broad Spectrum of Application: </a:t>
+            </a:r>
+          </a:p>
+          <a:p>
+            <a:pPr marL="1035050" marR="0" lvl="2" indent="-349250" algn="l" defTabSz="914400" rtl="0" eaLnBrk="1" fontAlgn="auto" latinLnBrk="0" hangingPunct="1">
+              <a:lnSpc>
+                <a:spcPct val="100000"/>
+              </a:lnSpc>
+              <a:spcBef>
+                <a:spcPts val="600"/>
+              </a:spcBef>
+              <a:spcAft>
+                <a:spcPts val="0"/>
+              </a:spcAft>
+              <a:buClr>
+                <a:schemeClr val="tx1">
+                  <a:lumMod val="75000"/>
+                  <a:lumOff val="25000"/>
+                </a:schemeClr>
+              </a:buClr>
+              <a:buSzTx/>
+              <a:buFont typeface="Arial"/>
+              <a:buChar char="•"/>
+              <a:tabLst/>
+              <a:defRPr/>
+            </a:pPr>
+            <a:r>
+              <a:rPr kumimoji="0" lang="en-US" sz="1800" b="0" i="0" u="none" strike="noStrike" kern="1200" cap="none" spc="0" normalizeH="0" baseline="0" noProof="0" dirty="0" smtClean="0">
+                <a:ln>
+                  <a:noFill/>
+                </a:ln>
+                <a:solidFill>
+                  <a:schemeClr val="tx1">
+                    <a:lumMod val="75000"/>
+                    <a:lumOff val="25000"/>
+                  </a:schemeClr>
+                </a:solidFill>
+                <a:effectLst/>
+                <a:uLnTx/>
+                <a:uFillTx/>
+                <a:latin typeface="+mn-lt"/>
+                <a:ea typeface="+mn-ea"/>
+                <a:cs typeface="+mn-cs"/>
+              </a:rPr>
+              <a:t>Simple scripts, Gateways, Smart Applications and Production Grade Tooling, Workflow…</a:t>
+            </a:r>
+          </a:p>
+          <a:p>
+            <a:pPr marL="342900" marR="0" lvl="0" indent="-342900" algn="l" defTabSz="914400" rtl="0" eaLnBrk="1" fontAlgn="auto" latinLnBrk="0" hangingPunct="1">
+              <a:lnSpc>
+                <a:spcPct val="100000"/>
+              </a:lnSpc>
+              <a:spcBef>
+                <a:spcPts val="2000"/>
+              </a:spcBef>
+              <a:spcAft>
+                <a:spcPts val="0"/>
+              </a:spcAft>
+              <a:buClr>
+                <a:schemeClr val="tx1">
+                  <a:lumMod val="75000"/>
+                  <a:lumOff val="25000"/>
+                </a:schemeClr>
+              </a:buClr>
+              <a:buSzTx/>
+              <a:buFont typeface="Wingdings 2" pitchFamily="18" charset="2"/>
+              <a:buChar char=""/>
+              <a:tabLst/>
+              <a:defRPr/>
+            </a:pPr>
+            <a:r>
+              <a:rPr kumimoji="0" lang="en-US" sz="2000" b="0" i="0" u="none" strike="noStrike" kern="1200" cap="none" spc="0" normalizeH="0" baseline="0" noProof="0" dirty="0" smtClean="0">
+                <a:ln>
+                  <a:noFill/>
+                </a:ln>
+                <a:solidFill>
+                  <a:schemeClr val="tx1">
+                    <a:lumMod val="65000"/>
+                    <a:lumOff val="35000"/>
+                  </a:schemeClr>
+                </a:solidFill>
+                <a:effectLst/>
+                <a:uLnTx/>
+                <a:uFillTx/>
+                <a:latin typeface="+mn-lt"/>
+                <a:ea typeface="+mn-ea"/>
+                <a:cs typeface="+mn-cs"/>
+              </a:rPr>
+              <a:t>Simple, integrated, stable, uniform and high-level interface</a:t>
+            </a:r>
+          </a:p>
+          <a:p>
+            <a:pPr marL="685800" marR="0" lvl="1" indent="-336550" algn="l" defTabSz="914400" rtl="0" eaLnBrk="1" fontAlgn="auto" latinLnBrk="0" hangingPunct="1">
+              <a:lnSpc>
+                <a:spcPct val="100000"/>
+              </a:lnSpc>
+              <a:spcBef>
+                <a:spcPts val="600"/>
+              </a:spcBef>
+              <a:spcAft>
+                <a:spcPts val="0"/>
+              </a:spcAft>
+              <a:buClr>
+                <a:schemeClr val="tx1">
+                  <a:lumMod val="95000"/>
+                  <a:lumOff val="5000"/>
+                </a:schemeClr>
+              </a:buClr>
+              <a:buSzTx/>
+              <a:buFont typeface="Arial"/>
+              <a:buChar char="•"/>
+              <a:tabLst/>
+              <a:defRPr/>
+            </a:pPr>
+            <a:r>
+              <a:rPr kumimoji="0" lang="en-US" sz="1800" b="0" i="0" u="none" strike="noStrike" kern="1200" cap="none" spc="0" normalizeH="0" baseline="0" noProof="0" dirty="0" smtClean="0">
+                <a:ln>
+                  <a:noFill/>
+                </a:ln>
+                <a:solidFill>
+                  <a:schemeClr val="accent5"/>
+                </a:solidFill>
+                <a:effectLst/>
+                <a:uLnTx/>
+                <a:uFillTx/>
+                <a:latin typeface="+mn-lt"/>
+                <a:ea typeface="+mn-ea"/>
+                <a:cs typeface="+mn-cs"/>
+              </a:rPr>
+              <a:t>Simple and Stable: 80:20 restricted scope and </a:t>
+            </a:r>
+            <a:r>
+              <a:rPr kumimoji="0" lang="en-US" sz="1800" b="1" i="0" u="none" strike="noStrike" kern="1200" cap="none" spc="0" normalizeH="0" baseline="0" noProof="0" dirty="0" smtClean="0">
+                <a:ln>
+                  <a:noFill/>
+                </a:ln>
+                <a:solidFill>
+                  <a:srgbClr val="800000"/>
+                </a:solidFill>
+                <a:effectLst/>
+                <a:uLnTx/>
+                <a:uFillTx/>
+                <a:latin typeface="+mn-lt"/>
+                <a:ea typeface="+mn-ea"/>
+                <a:cs typeface="+mn-cs"/>
+              </a:rPr>
+              <a:t>Standard</a:t>
+            </a:r>
+          </a:p>
+          <a:p>
+            <a:pPr marL="685800" marR="0" lvl="1" indent="-336550" algn="l" defTabSz="914400" rtl="0" eaLnBrk="1" fontAlgn="auto" latinLnBrk="0" hangingPunct="1">
+              <a:lnSpc>
+                <a:spcPct val="100000"/>
+              </a:lnSpc>
+              <a:spcBef>
+                <a:spcPts val="600"/>
+              </a:spcBef>
+              <a:spcAft>
+                <a:spcPts val="0"/>
+              </a:spcAft>
+              <a:buClr>
+                <a:schemeClr val="tx1">
+                  <a:lumMod val="95000"/>
+                  <a:lumOff val="5000"/>
+                </a:schemeClr>
+              </a:buClr>
+              <a:buSzTx/>
+              <a:buFont typeface="Arial"/>
+              <a:buChar char="•"/>
+              <a:tabLst/>
+              <a:defRPr/>
+            </a:pPr>
+            <a:r>
+              <a:rPr kumimoji="0" lang="en-US" sz="1800" b="0" i="0" u="none" strike="noStrike" kern="1200" cap="none" spc="0" normalizeH="0" baseline="0" noProof="0" dirty="0" smtClean="0">
+                <a:ln>
+                  <a:noFill/>
+                </a:ln>
+                <a:solidFill>
+                  <a:schemeClr val="accent5"/>
+                </a:solidFill>
+                <a:effectLst/>
+                <a:uLnTx/>
+                <a:uFillTx/>
+                <a:latin typeface="+mn-lt"/>
+                <a:ea typeface="+mn-ea"/>
+                <a:cs typeface="+mn-cs"/>
+              </a:rPr>
+              <a:t>Integrated: Similar semantics &amp; style across</a:t>
+            </a:r>
+          </a:p>
+          <a:p>
+            <a:pPr marL="685800" marR="0" lvl="1" indent="-336550" algn="l" defTabSz="914400" rtl="0" eaLnBrk="1" fontAlgn="auto" latinLnBrk="0" hangingPunct="1">
+              <a:lnSpc>
+                <a:spcPct val="100000"/>
+              </a:lnSpc>
+              <a:spcBef>
+                <a:spcPts val="600"/>
+              </a:spcBef>
+              <a:spcAft>
+                <a:spcPts val="0"/>
+              </a:spcAft>
+              <a:buClr>
+                <a:schemeClr val="tx1">
+                  <a:lumMod val="95000"/>
+                  <a:lumOff val="5000"/>
+                </a:schemeClr>
+              </a:buClr>
+              <a:buSzTx/>
+              <a:buFont typeface="Arial"/>
+              <a:buChar char="•"/>
+              <a:tabLst/>
+              <a:defRPr/>
+            </a:pPr>
+            <a:r>
+              <a:rPr kumimoji="0" lang="en-US" sz="1800" b="0" i="0" u="none" strike="noStrike" kern="1200" cap="none" spc="0" normalizeH="0" baseline="0" noProof="0" dirty="0" smtClean="0">
+                <a:ln>
+                  <a:noFill/>
+                </a:ln>
+                <a:solidFill>
+                  <a:schemeClr val="accent5"/>
+                </a:solidFill>
+                <a:effectLst/>
+                <a:uLnTx/>
+                <a:uFillTx/>
+                <a:latin typeface="+mn-lt"/>
+                <a:ea typeface="+mn-ea"/>
+                <a:cs typeface="+mn-cs"/>
+              </a:rPr>
+              <a:t>Uniform: Same interface for different distributed systems</a:t>
+            </a:r>
+          </a:p>
+        </p:txBody>
+      </p:sp>
+    </p:spTree>
+  </p:cSld>
+  <p:clrMapOvr>
+    <a:masterClrMapping/>
+  </p:clrMapOvr>
+  <p:transition/>
+  <p:timing>
+    <p:tnLst>
+      <p:par>
+        <p:cTn id="1" dur="indefinite" restart="never" nodeType="tmRoot"/>
+      </p:par>
+    </p:tnLst>
+  </p:timing>
+</p:sld>
+</file>
+
+<file path=ppt/slides/slide30.xml><?xml version="1.0" encoding="utf-8"?>
+<p:sld xmlns:a="http://schemas.openxmlformats.org/drawingml/2006/main" xmlns:r="http://schemas.openxmlformats.org/officeDocument/2006/relationships" xmlns:mc="http://schemas.openxmlformats.org/markup-compatibility/2006" xmlns:mv="urn:schemas-microsoft-com:mac:vml" xmlns:p="http://schemas.openxmlformats.org/presentationml/2006/main" mc:Ignorable="mv" mc:PreserveAttributes="mv:*">
+  <p:cSld>
+    <p:spTree>
+      <p:nvGrpSpPr>
+        <p:cNvPr id="1" name=""/>
+        <p:cNvGrpSpPr/>
+        <p:nvPr/>
+      </p:nvGrpSpPr>
+      <p:grpSpPr>
+        <a:xfrm>
+          <a:off x="0" y="0"/>
+          <a:ext cx="0" cy="0"/>
+          <a:chOff x="0" y="0"/>
+          <a:chExt cx="0" cy="0"/>
+        </a:xfrm>
+      </p:grpSpPr>
       <p:sp>
         <p:nvSpPr>
           <p:cNvPr id="246786" name="Rectangle 2"/>
@@ -15048,7 +15910,7 @@
             <a:fld id="{13E030AD-9882-0E48-B20B-A14ECD9DDEB1}" type="slidenum">
               <a:rPr lang="en-US" smtClean="0"/>
               <a:pPr/>
-              <a:t>29</a:t>
+              <a:t>30</a:t>
             </a:fld>
             <a:endParaRPr lang="en-US"/>
           </a:p>
@@ -15781,580 +16643,7 @@
 </p:sld>
 </file>
 
-<file path=ppt/slides/slide3.xml><?xml version="1.0" encoding="utf-8"?>
-<p:sld xmlns:a="http://schemas.openxmlformats.org/drawingml/2006/main" xmlns:r="http://schemas.openxmlformats.org/officeDocument/2006/relationships" xmlns:mc="http://schemas.openxmlformats.org/markup-compatibility/2006" xmlns:mv="urn:schemas-microsoft-com:mac:vml" xmlns:p="http://schemas.openxmlformats.org/presentationml/2006/main" mc:Ignorable="mv" mc:PreserveAttributes="mv:*">
-  <p:cSld>
-    <p:spTree>
-      <p:nvGrpSpPr>
-        <p:cNvPr id="1" name=""/>
-        <p:cNvGrpSpPr/>
-        <p:nvPr/>
-      </p:nvGrpSpPr>
-      <p:grpSpPr>
-        <a:xfrm>
-          <a:off x="0" y="0"/>
-          <a:ext cx="0" cy="0"/>
-          <a:chOff x="0" y="0"/>
-          <a:chExt cx="0" cy="0"/>
-        </a:xfrm>
-      </p:grpSpPr>
-      <p:pic>
-        <p:nvPicPr>
-          <p:cNvPr id="26626" name="Picture 1"/>
-          <p:cNvPicPr>
-            <a:picLocks noChangeArrowheads="1"/>
-          </p:cNvPicPr>
-          <p:nvPr/>
-        </p:nvPicPr>
-        <p:blipFill>
-          <a:blip r:embed="rId2"/>
-          <a:srcRect/>
-          <a:stretch>
-            <a:fillRect/>
-          </a:stretch>
-        </p:blipFill>
-        <p:spPr bwMode="auto">
-          <a:xfrm>
-            <a:off x="9525" y="44450"/>
-            <a:ext cx="1290638" cy="1062038"/>
-          </a:xfrm>
-          <a:prstGeom prst="rect">
-            <a:avLst/>
-          </a:prstGeom>
-          <a:noFill/>
-          <a:ln w="12700">
-            <a:noFill/>
-            <a:miter lim="800000"/>
-            <a:headEnd/>
-            <a:tailEnd/>
-          </a:ln>
-        </p:spPr>
-      </p:pic>
-      <p:pic>
-        <p:nvPicPr>
-          <p:cNvPr id="26627" name="Picture 2"/>
-          <p:cNvPicPr>
-            <a:picLocks noChangeArrowheads="1"/>
-          </p:cNvPicPr>
-          <p:nvPr/>
-        </p:nvPicPr>
-        <p:blipFill>
-          <a:blip r:embed="rId3"/>
-          <a:srcRect/>
-          <a:stretch>
-            <a:fillRect/>
-          </a:stretch>
-        </p:blipFill>
-        <p:spPr bwMode="auto">
-          <a:xfrm>
-            <a:off x="7567613" y="36513"/>
-            <a:ext cx="1576387" cy="954087"/>
-          </a:xfrm>
-          <a:prstGeom prst="rect">
-            <a:avLst/>
-          </a:prstGeom>
-          <a:noFill/>
-          <a:ln w="12700">
-            <a:noFill/>
-            <a:miter lim="800000"/>
-            <a:headEnd/>
-            <a:tailEnd/>
-          </a:ln>
-        </p:spPr>
-      </p:pic>
-      <p:sp>
-        <p:nvSpPr>
-          <p:cNvPr id="26629" name="Rectangle 4"/>
-          <p:cNvSpPr>
-            <a:spLocks noGrp="1" noChangeArrowheads="1"/>
-          </p:cNvSpPr>
-          <p:nvPr>
-            <p:ph type="title"/>
-          </p:nvPr>
-        </p:nvSpPr>
-        <p:spPr/>
-        <p:txBody>
-          <a:bodyPr/>
-          <a:lstStyle/>
-          <a:p>
-            <a:r>
-              <a:rPr lang="en-US" dirty="0" smtClean="0"/>
-              <a:t>SAGA: In a nutshell</a:t>
-            </a:r>
-            <a:endParaRPr lang="en-US" dirty="0"/>
-          </a:p>
-        </p:txBody>
-      </p:sp>
-      <p:sp>
-        <p:nvSpPr>
-          <p:cNvPr id="12" name="Rectangle 5"/>
-          <p:cNvSpPr txBox="1">
-            <a:spLocks noChangeArrowheads="1"/>
-          </p:cNvSpPr>
-          <p:nvPr/>
-        </p:nvSpPr>
-        <p:spPr>
-          <a:xfrm>
-            <a:off x="757947" y="1529880"/>
-            <a:ext cx="7966954" cy="5033310"/>
-          </a:xfrm>
-          <a:prstGeom prst="rect">
-            <a:avLst/>
-          </a:prstGeom>
-        </p:spPr>
-        <p:txBody>
-          <a:bodyPr vert="horz" lIns="91440" tIns="45720" rIns="91440" bIns="45720" rtlCol="0">
-            <a:normAutofit/>
-          </a:bodyPr>
-          <a:lstStyle/>
-          <a:p>
-            <a:pPr marL="342900" marR="0" lvl="0" indent="-342900" algn="l" defTabSz="914400" rtl="0" eaLnBrk="1" fontAlgn="auto" latinLnBrk="0" hangingPunct="1">
-              <a:lnSpc>
-                <a:spcPct val="100000"/>
-              </a:lnSpc>
-              <a:spcBef>
-                <a:spcPts val="2000"/>
-              </a:spcBef>
-              <a:spcAft>
-                <a:spcPts val="0"/>
-              </a:spcAft>
-              <a:buClr>
-                <a:schemeClr val="tx1">
-                  <a:lumMod val="75000"/>
-                  <a:lumOff val="25000"/>
-                </a:schemeClr>
-              </a:buClr>
-              <a:buSzTx/>
-              <a:buFont typeface="Wingdings 2" pitchFamily="18" charset="2"/>
-              <a:buChar char=""/>
-              <a:tabLst/>
-              <a:defRPr/>
-            </a:pPr>
-            <a:r>
-              <a:rPr kumimoji="0" lang="en-US" sz="2000" b="0" i="0" u="none" strike="noStrike" kern="1200" cap="none" spc="0" normalizeH="0" baseline="0" noProof="0" dirty="0" smtClean="0">
-                <a:ln>
-                  <a:noFill/>
-                </a:ln>
-                <a:solidFill>
-                  <a:schemeClr val="tx1">
-                    <a:lumMod val="65000"/>
-                    <a:lumOff val="35000"/>
-                  </a:schemeClr>
-                </a:solidFill>
-                <a:effectLst/>
-                <a:uLnTx/>
-                <a:uFillTx/>
-                <a:latin typeface="+mn-lt"/>
-                <a:ea typeface="+mn-ea"/>
-                <a:cs typeface="+mn-cs"/>
-              </a:rPr>
-              <a:t>There exists a lack of programmatic approaches that:</a:t>
-            </a:r>
-          </a:p>
-          <a:p>
-            <a:pPr marL="685800" marR="0" lvl="1" indent="-336550" algn="l" defTabSz="914400" rtl="0" eaLnBrk="1" fontAlgn="auto" latinLnBrk="0" hangingPunct="1">
-              <a:lnSpc>
-                <a:spcPct val="100000"/>
-              </a:lnSpc>
-              <a:spcBef>
-                <a:spcPts val="600"/>
-              </a:spcBef>
-              <a:spcAft>
-                <a:spcPts val="0"/>
-              </a:spcAft>
-              <a:buClr>
-                <a:schemeClr val="tx1">
-                  <a:lumMod val="95000"/>
-                  <a:lumOff val="5000"/>
-                </a:schemeClr>
-              </a:buClr>
-              <a:buSzTx/>
-              <a:buFont typeface="Arial"/>
-              <a:buChar char="•"/>
-              <a:tabLst/>
-              <a:defRPr/>
-            </a:pPr>
-            <a:r>
-              <a:rPr kumimoji="0" lang="en-US" sz="1800" b="0" i="0" u="none" strike="noStrike" kern="1200" cap="none" spc="0" normalizeH="0" baseline="0" noProof="0" dirty="0" smtClean="0">
-                <a:ln>
-                  <a:noFill/>
-                </a:ln>
-                <a:solidFill>
-                  <a:schemeClr val="accent5"/>
-                </a:solidFill>
-                <a:effectLst/>
-                <a:uLnTx/>
-                <a:uFillTx/>
-                <a:latin typeface="+mn-lt"/>
-                <a:ea typeface="+mn-ea"/>
-                <a:cs typeface="+mn-cs"/>
-              </a:rPr>
-              <a:t>Provide general-purpose,</a:t>
-            </a:r>
-            <a:r>
-              <a:rPr kumimoji="0" lang="en-US" sz="1800" b="0" i="0" u="none" strike="noStrike" kern="1200" cap="none" spc="0" normalizeH="0" noProof="0" dirty="0" smtClean="0">
-                <a:ln>
-                  <a:noFill/>
-                </a:ln>
-                <a:solidFill>
-                  <a:schemeClr val="accent5"/>
-                </a:solidFill>
-                <a:effectLst/>
-                <a:uLnTx/>
-                <a:uFillTx/>
-                <a:latin typeface="+mn-lt"/>
-                <a:ea typeface="+mn-ea"/>
-                <a:cs typeface="+mn-cs"/>
-              </a:rPr>
-              <a:t> basic &amp;</a:t>
-            </a:r>
-            <a:r>
-              <a:rPr kumimoji="0" lang="en-US" sz="1800" b="0" i="0" u="none" strike="noStrike" kern="1200" cap="none" spc="0" normalizeH="0" baseline="0" noProof="0" dirty="0" smtClean="0">
-                <a:ln>
-                  <a:noFill/>
-                </a:ln>
-                <a:solidFill>
-                  <a:schemeClr val="accent5"/>
-                </a:solidFill>
-                <a:effectLst/>
-                <a:uLnTx/>
-                <a:uFillTx/>
-                <a:latin typeface="+mn-lt"/>
-                <a:ea typeface="+mn-ea"/>
-                <a:cs typeface="+mn-cs"/>
-              </a:rPr>
-              <a:t>common grid functionality for applications and thus hide underlying complexity, varying semantics..</a:t>
-            </a:r>
-          </a:p>
-          <a:p>
-            <a:pPr marL="685800" marR="0" lvl="1" indent="-336550" algn="l" defTabSz="914400" rtl="0" eaLnBrk="1" fontAlgn="auto" latinLnBrk="0" hangingPunct="1">
-              <a:lnSpc>
-                <a:spcPct val="100000"/>
-              </a:lnSpc>
-              <a:spcBef>
-                <a:spcPts val="600"/>
-              </a:spcBef>
-              <a:spcAft>
-                <a:spcPts val="0"/>
-              </a:spcAft>
-              <a:buClr>
-                <a:schemeClr val="tx1">
-                  <a:lumMod val="95000"/>
-                  <a:lumOff val="5000"/>
-                </a:schemeClr>
-              </a:buClr>
-              <a:buSzTx/>
-              <a:buFont typeface="Arial"/>
-              <a:buChar char="•"/>
-              <a:tabLst/>
-              <a:defRPr/>
-            </a:pPr>
-            <a:r>
-              <a:rPr kumimoji="0" lang="en-US" sz="1800" b="0" i="0" u="none" strike="noStrike" kern="1200" cap="none" spc="0" normalizeH="0" baseline="0" noProof="0" dirty="0" smtClean="0">
-                <a:ln>
-                  <a:noFill/>
-                </a:ln>
-                <a:solidFill>
-                  <a:schemeClr val="accent5"/>
-                </a:solidFill>
-                <a:effectLst/>
-                <a:uLnTx/>
-                <a:uFillTx/>
-                <a:latin typeface="+mn-lt"/>
-                <a:ea typeface="+mn-ea"/>
-                <a:cs typeface="+mn-cs"/>
-              </a:rPr>
-              <a:t>The building blocks upon which to construct “consistent” higher-levels of functionality and abstractions</a:t>
-            </a:r>
-          </a:p>
-          <a:p>
-            <a:pPr marL="685800" marR="0" lvl="1" indent="-336550" algn="l" defTabSz="914400" rtl="0" eaLnBrk="1" fontAlgn="auto" latinLnBrk="0" hangingPunct="1">
-              <a:lnSpc>
-                <a:spcPct val="100000"/>
-              </a:lnSpc>
-              <a:spcBef>
-                <a:spcPts val="600"/>
-              </a:spcBef>
-              <a:spcAft>
-                <a:spcPts val="0"/>
-              </a:spcAft>
-              <a:buClr>
-                <a:schemeClr val="tx1">
-                  <a:lumMod val="95000"/>
-                  <a:lumOff val="5000"/>
-                </a:schemeClr>
-              </a:buClr>
-              <a:buSzTx/>
-              <a:buFont typeface="Arial"/>
-              <a:buChar char="•"/>
-              <a:tabLst/>
-              <a:defRPr/>
-            </a:pPr>
-            <a:r>
-              <a:rPr kumimoji="0" lang="en-US" sz="1800" b="0" i="0" u="none" strike="noStrike" kern="1200" cap="none" spc="0" normalizeH="0" baseline="0" noProof="0" dirty="0" smtClean="0">
-                <a:ln>
-                  <a:noFill/>
-                </a:ln>
-                <a:solidFill>
-                  <a:schemeClr val="accent5"/>
-                </a:solidFill>
-                <a:effectLst/>
-                <a:uLnTx/>
-                <a:uFillTx/>
-                <a:latin typeface="+mn-lt"/>
-                <a:ea typeface="+mn-ea"/>
-                <a:cs typeface="+mn-cs"/>
-              </a:rPr>
-              <a:t>Meets the need for a Broad Spectrum of Application: </a:t>
-            </a:r>
-          </a:p>
-          <a:p>
-            <a:pPr marL="1035050" marR="0" lvl="2" indent="-349250" algn="l" defTabSz="914400" rtl="0" eaLnBrk="1" fontAlgn="auto" latinLnBrk="0" hangingPunct="1">
-              <a:lnSpc>
-                <a:spcPct val="100000"/>
-              </a:lnSpc>
-              <a:spcBef>
-                <a:spcPts val="600"/>
-              </a:spcBef>
-              <a:spcAft>
-                <a:spcPts val="0"/>
-              </a:spcAft>
-              <a:buClr>
-                <a:schemeClr val="tx1">
-                  <a:lumMod val="75000"/>
-                  <a:lumOff val="25000"/>
-                </a:schemeClr>
-              </a:buClr>
-              <a:buSzTx/>
-              <a:buFont typeface="Arial"/>
-              <a:buChar char="•"/>
-              <a:tabLst/>
-              <a:defRPr/>
-            </a:pPr>
-            <a:r>
-              <a:rPr kumimoji="0" lang="en-US" sz="1800" b="0" i="0" u="none" strike="noStrike" kern="1200" cap="none" spc="0" normalizeH="0" baseline="0" noProof="0" dirty="0" smtClean="0">
-                <a:ln>
-                  <a:noFill/>
-                </a:ln>
-                <a:solidFill>
-                  <a:schemeClr val="tx1">
-                    <a:lumMod val="75000"/>
-                    <a:lumOff val="25000"/>
-                  </a:schemeClr>
-                </a:solidFill>
-                <a:effectLst/>
-                <a:uLnTx/>
-                <a:uFillTx/>
-                <a:latin typeface="+mn-lt"/>
-                <a:ea typeface="+mn-ea"/>
-                <a:cs typeface="+mn-cs"/>
-              </a:rPr>
-              <a:t>Simple scripts, Gateways, Smart Applications and Production Grade Tooling, Workflow…</a:t>
-            </a:r>
-          </a:p>
-          <a:p>
-            <a:pPr marL="342900" marR="0" lvl="0" indent="-342900" algn="l" defTabSz="914400" rtl="0" eaLnBrk="1" fontAlgn="auto" latinLnBrk="0" hangingPunct="1">
-              <a:lnSpc>
-                <a:spcPct val="100000"/>
-              </a:lnSpc>
-              <a:spcBef>
-                <a:spcPts val="2000"/>
-              </a:spcBef>
-              <a:spcAft>
-                <a:spcPts val="0"/>
-              </a:spcAft>
-              <a:buClr>
-                <a:schemeClr val="tx1">
-                  <a:lumMod val="75000"/>
-                  <a:lumOff val="25000"/>
-                </a:schemeClr>
-              </a:buClr>
-              <a:buSzTx/>
-              <a:buFont typeface="Wingdings 2" pitchFamily="18" charset="2"/>
-              <a:buChar char=""/>
-              <a:tabLst/>
-              <a:defRPr/>
-            </a:pPr>
-            <a:r>
-              <a:rPr kumimoji="0" lang="en-US" sz="2000" b="0" i="0" u="none" strike="noStrike" kern="1200" cap="none" spc="0" normalizeH="0" baseline="0" noProof="0" dirty="0" smtClean="0">
-                <a:ln>
-                  <a:noFill/>
-                </a:ln>
-                <a:solidFill>
-                  <a:schemeClr val="tx1">
-                    <a:lumMod val="65000"/>
-                    <a:lumOff val="35000"/>
-                  </a:schemeClr>
-                </a:solidFill>
-                <a:effectLst/>
-                <a:uLnTx/>
-                <a:uFillTx/>
-                <a:latin typeface="+mn-lt"/>
-                <a:ea typeface="+mn-ea"/>
-                <a:cs typeface="+mn-cs"/>
-              </a:rPr>
-              <a:t>Simple, integrated, stable, uniform and high-level interface</a:t>
-            </a:r>
-          </a:p>
-          <a:p>
-            <a:pPr marL="685800" marR="0" lvl="1" indent="-336550" algn="l" defTabSz="914400" rtl="0" eaLnBrk="1" fontAlgn="auto" latinLnBrk="0" hangingPunct="1">
-              <a:lnSpc>
-                <a:spcPct val="100000"/>
-              </a:lnSpc>
-              <a:spcBef>
-                <a:spcPts val="600"/>
-              </a:spcBef>
-              <a:spcAft>
-                <a:spcPts val="0"/>
-              </a:spcAft>
-              <a:buClr>
-                <a:schemeClr val="tx1">
-                  <a:lumMod val="95000"/>
-                  <a:lumOff val="5000"/>
-                </a:schemeClr>
-              </a:buClr>
-              <a:buSzTx/>
-              <a:buFont typeface="Arial"/>
-              <a:buChar char="•"/>
-              <a:tabLst/>
-              <a:defRPr/>
-            </a:pPr>
-            <a:r>
-              <a:rPr kumimoji="0" lang="en-US" sz="1800" b="0" i="0" u="none" strike="noStrike" kern="1200" cap="none" spc="0" normalizeH="0" baseline="0" noProof="0" dirty="0" smtClean="0">
-                <a:ln>
-                  <a:noFill/>
-                </a:ln>
-                <a:solidFill>
-                  <a:schemeClr val="accent5"/>
-                </a:solidFill>
-                <a:effectLst/>
-                <a:uLnTx/>
-                <a:uFillTx/>
-                <a:latin typeface="+mn-lt"/>
-                <a:ea typeface="+mn-ea"/>
-                <a:cs typeface="+mn-cs"/>
-              </a:rPr>
-              <a:t>Simple and Stable: 80:20 restricted scope and </a:t>
-            </a:r>
-            <a:r>
-              <a:rPr kumimoji="0" lang="en-US" sz="1800" b="1" i="0" u="none" strike="noStrike" kern="1200" cap="none" spc="0" normalizeH="0" baseline="0" noProof="0" dirty="0" smtClean="0">
-                <a:ln>
-                  <a:noFill/>
-                </a:ln>
-                <a:solidFill>
-                  <a:srgbClr val="800000"/>
-                </a:solidFill>
-                <a:effectLst/>
-                <a:uLnTx/>
-                <a:uFillTx/>
-                <a:latin typeface="+mn-lt"/>
-                <a:ea typeface="+mn-ea"/>
-                <a:cs typeface="+mn-cs"/>
-              </a:rPr>
-              <a:t>Standard</a:t>
-            </a:r>
-          </a:p>
-          <a:p>
-            <a:pPr marL="685800" marR="0" lvl="1" indent="-336550" algn="l" defTabSz="914400" rtl="0" eaLnBrk="1" fontAlgn="auto" latinLnBrk="0" hangingPunct="1">
-              <a:lnSpc>
-                <a:spcPct val="100000"/>
-              </a:lnSpc>
-              <a:spcBef>
-                <a:spcPts val="600"/>
-              </a:spcBef>
-              <a:spcAft>
-                <a:spcPts val="0"/>
-              </a:spcAft>
-              <a:buClr>
-                <a:schemeClr val="tx1">
-                  <a:lumMod val="95000"/>
-                  <a:lumOff val="5000"/>
-                </a:schemeClr>
-              </a:buClr>
-              <a:buSzTx/>
-              <a:buFont typeface="Arial"/>
-              <a:buChar char="•"/>
-              <a:tabLst/>
-              <a:defRPr/>
-            </a:pPr>
-            <a:r>
-              <a:rPr kumimoji="0" lang="en-US" sz="1800" b="0" i="0" u="none" strike="noStrike" kern="1200" cap="none" spc="0" normalizeH="0" baseline="0" noProof="0" dirty="0" smtClean="0">
-                <a:ln>
-                  <a:noFill/>
-                </a:ln>
-                <a:solidFill>
-                  <a:schemeClr val="accent5"/>
-                </a:solidFill>
-                <a:effectLst/>
-                <a:uLnTx/>
-                <a:uFillTx/>
-                <a:latin typeface="+mn-lt"/>
-                <a:ea typeface="+mn-ea"/>
-                <a:cs typeface="+mn-cs"/>
-              </a:rPr>
-              <a:t>Integrated: Similar semantics &amp; style across</a:t>
-            </a:r>
-          </a:p>
-          <a:p>
-            <a:pPr marL="685800" marR="0" lvl="1" indent="-336550" algn="l" defTabSz="914400" rtl="0" eaLnBrk="1" fontAlgn="auto" latinLnBrk="0" hangingPunct="1">
-              <a:lnSpc>
-                <a:spcPct val="100000"/>
-              </a:lnSpc>
-              <a:spcBef>
-                <a:spcPts val="600"/>
-              </a:spcBef>
-              <a:spcAft>
-                <a:spcPts val="0"/>
-              </a:spcAft>
-              <a:buClr>
-                <a:schemeClr val="tx1">
-                  <a:lumMod val="95000"/>
-                  <a:lumOff val="5000"/>
-                </a:schemeClr>
-              </a:buClr>
-              <a:buSzTx/>
-              <a:buFont typeface="Arial"/>
-              <a:buChar char="•"/>
-              <a:tabLst/>
-              <a:defRPr/>
-            </a:pPr>
-            <a:r>
-              <a:rPr kumimoji="0" lang="en-US" sz="1800" b="0" i="0" u="none" strike="noStrike" kern="1200" cap="none" spc="0" normalizeH="0" baseline="0" noProof="0" dirty="0" smtClean="0">
-                <a:ln>
-                  <a:noFill/>
-                </a:ln>
-                <a:solidFill>
-                  <a:schemeClr val="accent5"/>
-                </a:solidFill>
-                <a:effectLst/>
-                <a:uLnTx/>
-                <a:uFillTx/>
-                <a:latin typeface="+mn-lt"/>
-                <a:ea typeface="+mn-ea"/>
-                <a:cs typeface="+mn-cs"/>
-              </a:rPr>
-              <a:t>Uniform: Same interface for different distributed systems</a:t>
-            </a:r>
-          </a:p>
-        </p:txBody>
-      </p:sp>
-    </p:spTree>
-  </p:cSld>
-  <p:clrMapOvr>
-    <a:masterClrMapping/>
-  </p:clrMapOvr>
-  <p:transition/>
-  <p:timing>
-    <p:tnLst>
-      <p:par>
-        <p:cTn id="1" dur="indefinite" restart="never" nodeType="tmRoot"/>
-      </p:par>
-    </p:tnLst>
-  </p:timing>
-</p:sld>
-</file>
-
-<file path=ppt/slides/slide30.xml><?xml version="1.0" encoding="utf-8"?>
+<file path=ppt/slides/slide31.xml><?xml version="1.0" encoding="utf-8"?>
 <p:sld xmlns:a="http://schemas.openxmlformats.org/drawingml/2006/main" xmlns:r="http://schemas.openxmlformats.org/officeDocument/2006/relationships" xmlns:mc="http://schemas.openxmlformats.org/markup-compatibility/2006" xmlns:mv="urn:schemas-microsoft-com:mac:vml" xmlns:p="http://schemas.openxmlformats.org/presentationml/2006/main" mc:Ignorable="mv" mc:PreserveAttributes="mv:*">
   <p:cSld>
     <p:spTree>
